--- a/CTF AWD.pptx
+++ b/CTF AWD.pptx
@@ -4,13 +4,26 @@
   <p:sldMasterIdLst>
     <p:sldMasterId id="2147483690" r:id="rId1"/>
   </p:sldMasterIdLst>
+  <p:notesMasterIdLst>
+    <p:notesMasterId r:id="rId18"/>
+  </p:notesMasterIdLst>
   <p:sldIdLst>
     <p:sldId id="256" r:id="rId2"/>
     <p:sldId id="257" r:id="rId3"/>
-    <p:sldId id="258" r:id="rId4"/>
-    <p:sldId id="259" r:id="rId5"/>
-    <p:sldId id="261" r:id="rId6"/>
-    <p:sldId id="262" r:id="rId7"/>
+    <p:sldId id="263" r:id="rId4"/>
+    <p:sldId id="264" r:id="rId5"/>
+    <p:sldId id="258" r:id="rId6"/>
+    <p:sldId id="266" r:id="rId7"/>
+    <p:sldId id="267" r:id="rId8"/>
+    <p:sldId id="268" r:id="rId9"/>
+    <p:sldId id="269" r:id="rId10"/>
+    <p:sldId id="270" r:id="rId11"/>
+    <p:sldId id="271" r:id="rId12"/>
+    <p:sldId id="259" r:id="rId13"/>
+    <p:sldId id="272" r:id="rId14"/>
+    <p:sldId id="261" r:id="rId15"/>
+    <p:sldId id="265" r:id="rId16"/>
+    <p:sldId id="262" r:id="rId17"/>
   </p:sldIdLst>
   <p:sldSz cx="12192000" cy="6858000"/>
   <p:notesSz cx="6858000" cy="9144000"/>
@@ -117,6 +130,636 @@
 </p:presentation>
 </file>
 
+<file path=ppt/notesMasters/notesMaster1.xml><?xml version="1.0" encoding="utf-8"?>
+<p:notesMaster xmlns:a="http://schemas.openxmlformats.org/drawingml/2006/main" xmlns:r="http://schemas.openxmlformats.org/officeDocument/2006/relationships" xmlns:p="http://schemas.openxmlformats.org/presentationml/2006/main">
+  <p:cSld>
+    <p:bg>
+      <p:bgRef idx="1001">
+        <a:schemeClr val="bg1"/>
+      </p:bgRef>
+    </p:bg>
+    <p:spTree>
+      <p:nvGrpSpPr>
+        <p:cNvPr id="1" name=""/>
+        <p:cNvGrpSpPr/>
+        <p:nvPr/>
+      </p:nvGrpSpPr>
+      <p:grpSpPr>
+        <a:xfrm>
+          <a:off x="0" y="0"/>
+          <a:ext cx="0" cy="0"/>
+          <a:chOff x="0" y="0"/>
+          <a:chExt cx="0" cy="0"/>
+        </a:xfrm>
+      </p:grpSpPr>
+      <p:sp>
+        <p:nvSpPr>
+          <p:cNvPr id="2" name="页眉占位符 1"/>
+          <p:cNvSpPr>
+            <a:spLocks noGrp="1"/>
+          </p:cNvSpPr>
+          <p:nvPr>
+            <p:ph type="hdr" sz="quarter"/>
+          </p:nvPr>
+        </p:nvSpPr>
+        <p:spPr>
+          <a:xfrm>
+            <a:off x="0" y="0"/>
+            <a:ext cx="2971800" cy="458788"/>
+          </a:xfrm>
+          <a:prstGeom prst="rect">
+            <a:avLst/>
+          </a:prstGeom>
+        </p:spPr>
+        <p:txBody>
+          <a:bodyPr vert="horz" lIns="91440" tIns="45720" rIns="91440" bIns="45720" rtlCol="0"/>
+          <a:lstStyle>
+            <a:lvl1pPr algn="l">
+              <a:defRPr sz="1200"/>
+            </a:lvl1pPr>
+          </a:lstStyle>
+          <a:p>
+            <a:endParaRPr lang="zh-CN" altLang="en-US"/>
+          </a:p>
+        </p:txBody>
+      </p:sp>
+      <p:sp>
+        <p:nvSpPr>
+          <p:cNvPr id="3" name="日期占位符 2"/>
+          <p:cNvSpPr>
+            <a:spLocks noGrp="1"/>
+          </p:cNvSpPr>
+          <p:nvPr>
+            <p:ph type="dt" idx="1"/>
+          </p:nvPr>
+        </p:nvSpPr>
+        <p:spPr>
+          <a:xfrm>
+            <a:off x="3884613" y="0"/>
+            <a:ext cx="2971800" cy="458788"/>
+          </a:xfrm>
+          <a:prstGeom prst="rect">
+            <a:avLst/>
+          </a:prstGeom>
+        </p:spPr>
+        <p:txBody>
+          <a:bodyPr vert="horz" lIns="91440" tIns="45720" rIns="91440" bIns="45720" rtlCol="0"/>
+          <a:lstStyle>
+            <a:lvl1pPr algn="r">
+              <a:defRPr sz="1200"/>
+            </a:lvl1pPr>
+          </a:lstStyle>
+          <a:p>
+            <a:fld id="{720F203C-A244-49AF-A44A-B4207CBE4F5E}" type="datetimeFigureOut">
+              <a:rPr lang="zh-CN" altLang="en-US" smtClean="0"/>
+              <a:t>2019/4/27</a:t>
+            </a:fld>
+            <a:endParaRPr lang="zh-CN" altLang="en-US"/>
+          </a:p>
+        </p:txBody>
+      </p:sp>
+      <p:sp>
+        <p:nvSpPr>
+          <p:cNvPr id="4" name="幻灯片图像占位符 3"/>
+          <p:cNvSpPr>
+            <a:spLocks noGrp="1" noRot="1" noChangeAspect="1"/>
+          </p:cNvSpPr>
+          <p:nvPr>
+            <p:ph type="sldImg" idx="2"/>
+          </p:nvPr>
+        </p:nvSpPr>
+        <p:spPr>
+          <a:xfrm>
+            <a:off x="685800" y="1143000"/>
+            <a:ext cx="5486400" cy="3086100"/>
+          </a:xfrm>
+          <a:prstGeom prst="rect">
+            <a:avLst/>
+          </a:prstGeom>
+          <a:noFill/>
+          <a:ln w="12700">
+            <a:solidFill>
+              <a:prstClr val="black"/>
+            </a:solidFill>
+          </a:ln>
+        </p:spPr>
+        <p:txBody>
+          <a:bodyPr vert="horz" lIns="91440" tIns="45720" rIns="91440" bIns="45720" rtlCol="0" anchor="ctr"/>
+          <a:lstStyle/>
+          <a:p>
+            <a:endParaRPr lang="zh-CN" altLang="en-US"/>
+          </a:p>
+        </p:txBody>
+      </p:sp>
+      <p:sp>
+        <p:nvSpPr>
+          <p:cNvPr id="5" name="备注占位符 4"/>
+          <p:cNvSpPr>
+            <a:spLocks noGrp="1"/>
+          </p:cNvSpPr>
+          <p:nvPr>
+            <p:ph type="body" sz="quarter" idx="3"/>
+          </p:nvPr>
+        </p:nvSpPr>
+        <p:spPr>
+          <a:xfrm>
+            <a:off x="685800" y="4400550"/>
+            <a:ext cx="5486400" cy="3600450"/>
+          </a:xfrm>
+          <a:prstGeom prst="rect">
+            <a:avLst/>
+          </a:prstGeom>
+        </p:spPr>
+        <p:txBody>
+          <a:bodyPr vert="horz" lIns="91440" tIns="45720" rIns="91440" bIns="45720" rtlCol="0"/>
+          <a:lstStyle/>
+          <a:p>
+            <a:pPr lvl="0"/>
+            <a:r>
+              <a:rPr lang="zh-CN" altLang="en-US"/>
+              <a:t>单击此处编辑母版文本样式</a:t>
+            </a:r>
+          </a:p>
+          <a:p>
+            <a:pPr lvl="1"/>
+            <a:r>
+              <a:rPr lang="zh-CN" altLang="en-US"/>
+              <a:t>二级</a:t>
+            </a:r>
+          </a:p>
+          <a:p>
+            <a:pPr lvl="2"/>
+            <a:r>
+              <a:rPr lang="zh-CN" altLang="en-US"/>
+              <a:t>三级</a:t>
+            </a:r>
+          </a:p>
+          <a:p>
+            <a:pPr lvl="3"/>
+            <a:r>
+              <a:rPr lang="zh-CN" altLang="en-US"/>
+              <a:t>四级</a:t>
+            </a:r>
+          </a:p>
+          <a:p>
+            <a:pPr lvl="4"/>
+            <a:r>
+              <a:rPr lang="zh-CN" altLang="en-US"/>
+              <a:t>五级</a:t>
+            </a:r>
+          </a:p>
+        </p:txBody>
+      </p:sp>
+      <p:sp>
+        <p:nvSpPr>
+          <p:cNvPr id="6" name="页脚占位符 5"/>
+          <p:cNvSpPr>
+            <a:spLocks noGrp="1"/>
+          </p:cNvSpPr>
+          <p:nvPr>
+            <p:ph type="ftr" sz="quarter" idx="4"/>
+          </p:nvPr>
+        </p:nvSpPr>
+        <p:spPr>
+          <a:xfrm>
+            <a:off x="0" y="8685213"/>
+            <a:ext cx="2971800" cy="458787"/>
+          </a:xfrm>
+          <a:prstGeom prst="rect">
+            <a:avLst/>
+          </a:prstGeom>
+        </p:spPr>
+        <p:txBody>
+          <a:bodyPr vert="horz" lIns="91440" tIns="45720" rIns="91440" bIns="45720" rtlCol="0" anchor="b"/>
+          <a:lstStyle>
+            <a:lvl1pPr algn="l">
+              <a:defRPr sz="1200"/>
+            </a:lvl1pPr>
+          </a:lstStyle>
+          <a:p>
+            <a:endParaRPr lang="zh-CN" altLang="en-US"/>
+          </a:p>
+        </p:txBody>
+      </p:sp>
+      <p:sp>
+        <p:nvSpPr>
+          <p:cNvPr id="7" name="灯片编号占位符 6"/>
+          <p:cNvSpPr>
+            <a:spLocks noGrp="1"/>
+          </p:cNvSpPr>
+          <p:nvPr>
+            <p:ph type="sldNum" sz="quarter" idx="5"/>
+          </p:nvPr>
+        </p:nvSpPr>
+        <p:spPr>
+          <a:xfrm>
+            <a:off x="3884613" y="8685213"/>
+            <a:ext cx="2971800" cy="458787"/>
+          </a:xfrm>
+          <a:prstGeom prst="rect">
+            <a:avLst/>
+          </a:prstGeom>
+        </p:spPr>
+        <p:txBody>
+          <a:bodyPr vert="horz" lIns="91440" tIns="45720" rIns="91440" bIns="45720" rtlCol="0" anchor="b"/>
+          <a:lstStyle>
+            <a:lvl1pPr algn="r">
+              <a:defRPr sz="1200"/>
+            </a:lvl1pPr>
+          </a:lstStyle>
+          <a:p>
+            <a:fld id="{EA0B6253-4599-498D-A973-9E3032A33BF2}" type="slidenum">
+              <a:rPr lang="zh-CN" altLang="en-US" smtClean="0"/>
+              <a:t>‹#›</a:t>
+            </a:fld>
+            <a:endParaRPr lang="zh-CN" altLang="en-US"/>
+          </a:p>
+        </p:txBody>
+      </p:sp>
+    </p:spTree>
+    <p:extLst>
+      <p:ext uri="{BB962C8B-B14F-4D97-AF65-F5344CB8AC3E}">
+        <p14:creationId xmlns:p14="http://schemas.microsoft.com/office/powerpoint/2010/main" val="3781025691"/>
+      </p:ext>
+    </p:extLst>
+  </p:cSld>
+  <p:clrMap bg1="lt1" tx1="dk1" bg2="lt2" tx2="dk2" accent1="accent1" accent2="accent2" accent3="accent3" accent4="accent4" accent5="accent5" accent6="accent6" hlink="hlink" folHlink="folHlink"/>
+  <p:notesStyle>
+    <a:lvl1pPr marL="0" algn="l" defTabSz="914400" rtl="0" eaLnBrk="1" latinLnBrk="0" hangingPunct="1">
+      <a:defRPr sz="1200" kern="1200">
+        <a:solidFill>
+          <a:schemeClr val="tx1"/>
+        </a:solidFill>
+        <a:latin typeface="+mn-lt"/>
+        <a:ea typeface="+mn-ea"/>
+        <a:cs typeface="+mn-cs"/>
+      </a:defRPr>
+    </a:lvl1pPr>
+    <a:lvl2pPr marL="457200" algn="l" defTabSz="914400" rtl="0" eaLnBrk="1" latinLnBrk="0" hangingPunct="1">
+      <a:defRPr sz="1200" kern="1200">
+        <a:solidFill>
+          <a:schemeClr val="tx1"/>
+        </a:solidFill>
+        <a:latin typeface="+mn-lt"/>
+        <a:ea typeface="+mn-ea"/>
+        <a:cs typeface="+mn-cs"/>
+      </a:defRPr>
+    </a:lvl2pPr>
+    <a:lvl3pPr marL="914400" algn="l" defTabSz="914400" rtl="0" eaLnBrk="1" latinLnBrk="0" hangingPunct="1">
+      <a:defRPr sz="1200" kern="1200">
+        <a:solidFill>
+          <a:schemeClr val="tx1"/>
+        </a:solidFill>
+        <a:latin typeface="+mn-lt"/>
+        <a:ea typeface="+mn-ea"/>
+        <a:cs typeface="+mn-cs"/>
+      </a:defRPr>
+    </a:lvl3pPr>
+    <a:lvl4pPr marL="1371600" algn="l" defTabSz="914400" rtl="0" eaLnBrk="1" latinLnBrk="0" hangingPunct="1">
+      <a:defRPr sz="1200" kern="1200">
+        <a:solidFill>
+          <a:schemeClr val="tx1"/>
+        </a:solidFill>
+        <a:latin typeface="+mn-lt"/>
+        <a:ea typeface="+mn-ea"/>
+        <a:cs typeface="+mn-cs"/>
+      </a:defRPr>
+    </a:lvl4pPr>
+    <a:lvl5pPr marL="1828800" algn="l" defTabSz="914400" rtl="0" eaLnBrk="1" latinLnBrk="0" hangingPunct="1">
+      <a:defRPr sz="1200" kern="1200">
+        <a:solidFill>
+          <a:schemeClr val="tx1"/>
+        </a:solidFill>
+        <a:latin typeface="+mn-lt"/>
+        <a:ea typeface="+mn-ea"/>
+        <a:cs typeface="+mn-cs"/>
+      </a:defRPr>
+    </a:lvl5pPr>
+    <a:lvl6pPr marL="2286000" algn="l" defTabSz="914400" rtl="0" eaLnBrk="1" latinLnBrk="0" hangingPunct="1">
+      <a:defRPr sz="1200" kern="1200">
+        <a:solidFill>
+          <a:schemeClr val="tx1"/>
+        </a:solidFill>
+        <a:latin typeface="+mn-lt"/>
+        <a:ea typeface="+mn-ea"/>
+        <a:cs typeface="+mn-cs"/>
+      </a:defRPr>
+    </a:lvl6pPr>
+    <a:lvl7pPr marL="2743200" algn="l" defTabSz="914400" rtl="0" eaLnBrk="1" latinLnBrk="0" hangingPunct="1">
+      <a:defRPr sz="1200" kern="1200">
+        <a:solidFill>
+          <a:schemeClr val="tx1"/>
+        </a:solidFill>
+        <a:latin typeface="+mn-lt"/>
+        <a:ea typeface="+mn-ea"/>
+        <a:cs typeface="+mn-cs"/>
+      </a:defRPr>
+    </a:lvl7pPr>
+    <a:lvl8pPr marL="3200400" algn="l" defTabSz="914400" rtl="0" eaLnBrk="1" latinLnBrk="0" hangingPunct="1">
+      <a:defRPr sz="1200" kern="1200">
+        <a:solidFill>
+          <a:schemeClr val="tx1"/>
+        </a:solidFill>
+        <a:latin typeface="+mn-lt"/>
+        <a:ea typeface="+mn-ea"/>
+        <a:cs typeface="+mn-cs"/>
+      </a:defRPr>
+    </a:lvl8pPr>
+    <a:lvl9pPr marL="3657600" algn="l" defTabSz="914400" rtl="0" eaLnBrk="1" latinLnBrk="0" hangingPunct="1">
+      <a:defRPr sz="1200" kern="1200">
+        <a:solidFill>
+          <a:schemeClr val="tx1"/>
+        </a:solidFill>
+        <a:latin typeface="+mn-lt"/>
+        <a:ea typeface="+mn-ea"/>
+        <a:cs typeface="+mn-cs"/>
+      </a:defRPr>
+    </a:lvl9pPr>
+  </p:notesStyle>
+</p:notesMaster>
+</file>
+
+<file path=ppt/notesSlides/notesSlide1.xml><?xml version="1.0" encoding="utf-8"?>
+<p:notes xmlns:a="http://schemas.openxmlformats.org/drawingml/2006/main" xmlns:r="http://schemas.openxmlformats.org/officeDocument/2006/relationships" xmlns:p="http://schemas.openxmlformats.org/presentationml/2006/main">
+  <p:cSld>
+    <p:spTree>
+      <p:nvGrpSpPr>
+        <p:cNvPr id="1" name=""/>
+        <p:cNvGrpSpPr/>
+        <p:nvPr/>
+      </p:nvGrpSpPr>
+      <p:grpSpPr>
+        <a:xfrm>
+          <a:off x="0" y="0"/>
+          <a:ext cx="0" cy="0"/>
+          <a:chOff x="0" y="0"/>
+          <a:chExt cx="0" cy="0"/>
+        </a:xfrm>
+      </p:grpSpPr>
+      <p:sp>
+        <p:nvSpPr>
+          <p:cNvPr id="2" name="幻灯片图像占位符 1"/>
+          <p:cNvSpPr>
+            <a:spLocks noGrp="1" noRot="1" noChangeAspect="1"/>
+          </p:cNvSpPr>
+          <p:nvPr>
+            <p:ph type="sldImg"/>
+          </p:nvPr>
+        </p:nvSpPr>
+        <p:spPr/>
+      </p:sp>
+      <p:sp>
+        <p:nvSpPr>
+          <p:cNvPr id="3" name="备注占位符 2"/>
+          <p:cNvSpPr>
+            <a:spLocks noGrp="1"/>
+          </p:cNvSpPr>
+          <p:nvPr>
+            <p:ph type="body" idx="1"/>
+          </p:nvPr>
+        </p:nvSpPr>
+        <p:spPr/>
+        <p:txBody>
+          <a:bodyPr/>
+          <a:lstStyle/>
+          <a:p>
+            <a:r>
+              <a:rPr lang="zh-CN" altLang="en-US" dirty="0"/>
+              <a:t>今天主要过来和大家一起分享一下打</a:t>
+            </a:r>
+            <a:r>
+              <a:rPr lang="en-US" altLang="zh-CN" dirty="0"/>
+              <a:t>AWD</a:t>
+            </a:r>
+            <a:r>
+              <a:rPr lang="zh-CN" altLang="en-US" dirty="0"/>
+              <a:t>的经验</a:t>
+            </a:r>
+          </a:p>
+        </p:txBody>
+      </p:sp>
+      <p:sp>
+        <p:nvSpPr>
+          <p:cNvPr id="4" name="灯片编号占位符 3"/>
+          <p:cNvSpPr>
+            <a:spLocks noGrp="1"/>
+          </p:cNvSpPr>
+          <p:nvPr>
+            <p:ph type="sldNum" sz="quarter" idx="5"/>
+          </p:nvPr>
+        </p:nvSpPr>
+        <p:spPr/>
+        <p:txBody>
+          <a:bodyPr/>
+          <a:lstStyle/>
+          <a:p>
+            <a:fld id="{EA0B6253-4599-498D-A973-9E3032A33BF2}" type="slidenum">
+              <a:rPr lang="zh-CN" altLang="en-US" smtClean="0"/>
+              <a:t>2</a:t>
+            </a:fld>
+            <a:endParaRPr lang="zh-CN" altLang="en-US"/>
+          </a:p>
+        </p:txBody>
+      </p:sp>
+    </p:spTree>
+    <p:extLst>
+      <p:ext uri="{BB962C8B-B14F-4D97-AF65-F5344CB8AC3E}">
+        <p14:creationId xmlns:p14="http://schemas.microsoft.com/office/powerpoint/2010/main" val="769305374"/>
+      </p:ext>
+    </p:extLst>
+  </p:cSld>
+  <p:clrMapOvr>
+    <a:masterClrMapping/>
+  </p:clrMapOvr>
+</p:notes>
+</file>
+
+<file path=ppt/notesSlides/notesSlide2.xml><?xml version="1.0" encoding="utf-8"?>
+<p:notes xmlns:a="http://schemas.openxmlformats.org/drawingml/2006/main" xmlns:r="http://schemas.openxmlformats.org/officeDocument/2006/relationships" xmlns:p="http://schemas.openxmlformats.org/presentationml/2006/main">
+  <p:cSld>
+    <p:spTree>
+      <p:nvGrpSpPr>
+        <p:cNvPr id="1" name=""/>
+        <p:cNvGrpSpPr/>
+        <p:nvPr/>
+      </p:nvGrpSpPr>
+      <p:grpSpPr>
+        <a:xfrm>
+          <a:off x="0" y="0"/>
+          <a:ext cx="0" cy="0"/>
+          <a:chOff x="0" y="0"/>
+          <a:chExt cx="0" cy="0"/>
+        </a:xfrm>
+      </p:grpSpPr>
+      <p:sp>
+        <p:nvSpPr>
+          <p:cNvPr id="2" name="幻灯片图像占位符 1"/>
+          <p:cNvSpPr>
+            <a:spLocks noGrp="1" noRot="1" noChangeAspect="1"/>
+          </p:cNvSpPr>
+          <p:nvPr>
+            <p:ph type="sldImg"/>
+          </p:nvPr>
+        </p:nvSpPr>
+        <p:spPr/>
+      </p:sp>
+      <p:sp>
+        <p:nvSpPr>
+          <p:cNvPr id="3" name="备注占位符 2"/>
+          <p:cNvSpPr>
+            <a:spLocks noGrp="1"/>
+          </p:cNvSpPr>
+          <p:nvPr>
+            <p:ph type="body" idx="1"/>
+          </p:nvPr>
+        </p:nvSpPr>
+        <p:spPr/>
+        <p:txBody>
+          <a:bodyPr/>
+          <a:lstStyle/>
+          <a:p>
+            <a:r>
+              <a:rPr lang="zh-CN" altLang="en-US" dirty="0"/>
+              <a:t>每个比赛主办方不同，赛制不同</a:t>
+            </a:r>
+            <a:endParaRPr lang="en-US" altLang="zh-CN" dirty="0"/>
+          </a:p>
+          <a:p>
+            <a:r>
+              <a:rPr lang="zh-CN" altLang="en-US" dirty="0"/>
+              <a:t>模拟企业环境，要修 </a:t>
+            </a:r>
+            <a:r>
+              <a:rPr lang="en-US" altLang="zh-CN" dirty="0"/>
+              <a:t>flag</a:t>
+            </a:r>
+            <a:r>
+              <a:rPr lang="zh-CN" altLang="en-US" dirty="0"/>
+              <a:t>，不要想着关机完事儿</a:t>
+            </a:r>
+          </a:p>
+        </p:txBody>
+      </p:sp>
+      <p:sp>
+        <p:nvSpPr>
+          <p:cNvPr id="4" name="灯片编号占位符 3"/>
+          <p:cNvSpPr>
+            <a:spLocks noGrp="1"/>
+          </p:cNvSpPr>
+          <p:nvPr>
+            <p:ph type="sldNum" sz="quarter" idx="5"/>
+          </p:nvPr>
+        </p:nvSpPr>
+        <p:spPr/>
+        <p:txBody>
+          <a:bodyPr/>
+          <a:lstStyle/>
+          <a:p>
+            <a:fld id="{EA0B6253-4599-498D-A973-9E3032A33BF2}" type="slidenum">
+              <a:rPr lang="zh-CN" altLang="en-US" smtClean="0"/>
+              <a:t>4</a:t>
+            </a:fld>
+            <a:endParaRPr lang="zh-CN" altLang="en-US"/>
+          </a:p>
+        </p:txBody>
+      </p:sp>
+    </p:spTree>
+    <p:extLst>
+      <p:ext uri="{BB962C8B-B14F-4D97-AF65-F5344CB8AC3E}">
+        <p14:creationId xmlns:p14="http://schemas.microsoft.com/office/powerpoint/2010/main" val="2862590798"/>
+      </p:ext>
+    </p:extLst>
+  </p:cSld>
+  <p:clrMapOvr>
+    <a:masterClrMapping/>
+  </p:clrMapOvr>
+</p:notes>
+</file>
+
+<file path=ppt/notesSlides/notesSlide3.xml><?xml version="1.0" encoding="utf-8"?>
+<p:notes xmlns:a="http://schemas.openxmlformats.org/drawingml/2006/main" xmlns:r="http://schemas.openxmlformats.org/officeDocument/2006/relationships" xmlns:p="http://schemas.openxmlformats.org/presentationml/2006/main">
+  <p:cSld>
+    <p:spTree>
+      <p:nvGrpSpPr>
+        <p:cNvPr id="1" name=""/>
+        <p:cNvGrpSpPr/>
+        <p:nvPr/>
+      </p:nvGrpSpPr>
+      <p:grpSpPr>
+        <a:xfrm>
+          <a:off x="0" y="0"/>
+          <a:ext cx="0" cy="0"/>
+          <a:chOff x="0" y="0"/>
+          <a:chExt cx="0" cy="0"/>
+        </a:xfrm>
+      </p:grpSpPr>
+      <p:sp>
+        <p:nvSpPr>
+          <p:cNvPr id="2" name="幻灯片图像占位符 1"/>
+          <p:cNvSpPr>
+            <a:spLocks noGrp="1" noRot="1" noChangeAspect="1"/>
+          </p:cNvSpPr>
+          <p:nvPr>
+            <p:ph type="sldImg"/>
+          </p:nvPr>
+        </p:nvSpPr>
+        <p:spPr/>
+      </p:sp>
+      <p:sp>
+        <p:nvSpPr>
+          <p:cNvPr id="3" name="备注占位符 2"/>
+          <p:cNvSpPr>
+            <a:spLocks noGrp="1"/>
+          </p:cNvSpPr>
+          <p:nvPr>
+            <p:ph type="body" idx="1"/>
+          </p:nvPr>
+        </p:nvSpPr>
+        <p:spPr/>
+        <p:txBody>
+          <a:bodyPr/>
+          <a:lstStyle/>
+          <a:p>
+            <a:endParaRPr lang="zh-CN" altLang="en-US" dirty="0"/>
+          </a:p>
+        </p:txBody>
+      </p:sp>
+      <p:sp>
+        <p:nvSpPr>
+          <p:cNvPr id="4" name="灯片编号占位符 3"/>
+          <p:cNvSpPr>
+            <a:spLocks noGrp="1"/>
+          </p:cNvSpPr>
+          <p:nvPr>
+            <p:ph type="sldNum" sz="quarter" idx="5"/>
+          </p:nvPr>
+        </p:nvSpPr>
+        <p:spPr/>
+        <p:txBody>
+          <a:bodyPr/>
+          <a:lstStyle/>
+          <a:p>
+            <a:fld id="{EA0B6253-4599-498D-A973-9E3032A33BF2}" type="slidenum">
+              <a:rPr lang="zh-CN" altLang="en-US" smtClean="0"/>
+              <a:t>10</a:t>
+            </a:fld>
+            <a:endParaRPr lang="zh-CN" altLang="en-US"/>
+          </a:p>
+        </p:txBody>
+      </p:sp>
+    </p:spTree>
+    <p:extLst>
+      <p:ext uri="{BB962C8B-B14F-4D97-AF65-F5344CB8AC3E}">
+        <p14:creationId xmlns:p14="http://schemas.microsoft.com/office/powerpoint/2010/main" val="2670731703"/>
+      </p:ext>
+    </p:extLst>
+  </p:cSld>
+  <p:clrMapOvr>
+    <a:masterClrMapping/>
+  </p:clrMapOvr>
+</p:notes>
+</file>
+
 <file path=ppt/slideLayouts/slideLayout1.xml><?xml version="1.0" encoding="utf-8"?>
 <p:sldLayout xmlns:a="http://schemas.openxmlformats.org/drawingml/2006/main" xmlns:r="http://schemas.openxmlformats.org/officeDocument/2006/relationships" xmlns:p="http://schemas.openxmlformats.org/presentationml/2006/main" type="title" preserve="1">
   <p:cSld name="标题幻灯片">
@@ -392,7 +1035,7 @@
             <a:fld id="{87DE6118-2437-4B30-8E3C-4D2BE6020583}" type="datetimeFigureOut">
               <a:rPr lang="en-US" smtClean="0"/>
               <a:pPr/>
-              <a:t>4/21/2019</a:t>
+              <a:t>4/27/2019</a:t>
             </a:fld>
             <a:endParaRPr lang="en-US" dirty="0"/>
           </a:p>
@@ -808,7 +1451,7 @@
             <a:fld id="{87DE6118-2437-4B30-8E3C-4D2BE6020583}" type="datetimeFigureOut">
               <a:rPr lang="en-US" smtClean="0"/>
               <a:pPr/>
-              <a:t>4/21/2019</a:t>
+              <a:t>4/27/2019</a:t>
             </a:fld>
             <a:endParaRPr lang="en-US" dirty="0"/>
           </a:p>
@@ -1146,7 +1789,7 @@
             <a:fld id="{87DE6118-2437-4B30-8E3C-4D2BE6020583}" type="datetimeFigureOut">
               <a:rPr lang="en-US" smtClean="0"/>
               <a:pPr/>
-              <a:t>4/21/2019</a:t>
+              <a:t>4/27/2019</a:t>
             </a:fld>
             <a:endParaRPr lang="en-US" dirty="0"/>
           </a:p>
@@ -1553,7 +2196,7 @@
             <a:fld id="{87DE6118-2437-4B30-8E3C-4D2BE6020583}" type="datetimeFigureOut">
               <a:rPr lang="en-US" smtClean="0"/>
               <a:pPr/>
-              <a:t>4/21/2019</a:t>
+              <a:t>4/27/2019</a:t>
             </a:fld>
             <a:endParaRPr lang="en-US" dirty="0"/>
           </a:p>
@@ -2123,7 +2766,7 @@
             <a:fld id="{87DE6118-2437-4B30-8E3C-4D2BE6020583}" type="datetimeFigureOut">
               <a:rPr lang="en-US" smtClean="0"/>
               <a:pPr/>
-              <a:t>4/21/2019</a:t>
+              <a:t>4/27/2019</a:t>
             </a:fld>
             <a:endParaRPr lang="en-US" dirty="0"/>
           </a:p>
@@ -2806,7 +3449,7 @@
             <a:fld id="{87DE6118-2437-4B30-8E3C-4D2BE6020583}" type="datetimeFigureOut">
               <a:rPr lang="en-US" smtClean="0"/>
               <a:pPr/>
-              <a:t>4/21/2019</a:t>
+              <a:t>4/27/2019</a:t>
             </a:fld>
             <a:endParaRPr lang="en-US" dirty="0"/>
           </a:p>
@@ -3721,7 +4364,7 @@
             <a:fld id="{87DE6118-2437-4B30-8E3C-4D2BE6020583}" type="datetimeFigureOut">
               <a:rPr lang="en-US" smtClean="0"/>
               <a:pPr/>
-              <a:t>4/21/2019</a:t>
+              <a:t>4/27/2019</a:t>
             </a:fld>
             <a:endParaRPr lang="en-US" dirty="0"/>
           </a:p>
@@ -4035,7 +4678,7 @@
           <a:p>
             <a:fld id="{87DE6118-2437-4B30-8E3C-4D2BE6020583}" type="datetimeFigureOut">
               <a:rPr lang="en-US" smtClean="0"/>
-              <a:t>4/21/2019</a:t>
+              <a:t>4/27/2019</a:t>
             </a:fld>
             <a:endParaRPr lang="en-US" dirty="0"/>
           </a:p>
@@ -4299,7 +4942,7 @@
           <a:p>
             <a:fld id="{87DE6118-2437-4B30-8E3C-4D2BE6020583}" type="datetimeFigureOut">
               <a:rPr lang="en-US" smtClean="0"/>
-              <a:t>4/21/2019</a:t>
+              <a:t>4/27/2019</a:t>
             </a:fld>
             <a:endParaRPr lang="en-US" dirty="0"/>
           </a:p>
@@ -4622,7 +5265,7 @@
           <a:p>
             <a:fld id="{87DE6118-2437-4B30-8E3C-4D2BE6020583}" type="datetimeFigureOut">
               <a:rPr lang="en-US" smtClean="0"/>
-              <a:t>4/21/2019</a:t>
+              <a:t>4/27/2019</a:t>
             </a:fld>
             <a:endParaRPr lang="en-US" dirty="0"/>
           </a:p>
@@ -5012,7 +5655,7 @@
             <a:fld id="{87DE6118-2437-4B30-8E3C-4D2BE6020583}" type="datetimeFigureOut">
               <a:rPr lang="en-US" smtClean="0"/>
               <a:pPr/>
-              <a:t>4/21/2019</a:t>
+              <a:t>4/27/2019</a:t>
             </a:fld>
             <a:endParaRPr lang="en-US" dirty="0"/>
           </a:p>
@@ -5389,7 +6032,7 @@
           <a:p>
             <a:fld id="{87DE6118-2437-4B30-8E3C-4D2BE6020583}" type="datetimeFigureOut">
               <a:rPr lang="en-US" smtClean="0"/>
-              <a:t>4/21/2019</a:t>
+              <a:t>4/27/2019</a:t>
             </a:fld>
             <a:endParaRPr lang="en-US" dirty="0"/>
           </a:p>
@@ -5895,7 +6538,7 @@
           <a:p>
             <a:fld id="{87DE6118-2437-4B30-8E3C-4D2BE6020583}" type="datetimeFigureOut">
               <a:rPr lang="en-US" smtClean="0"/>
-              <a:t>4/21/2019</a:t>
+              <a:t>4/27/2019</a:t>
             </a:fld>
             <a:endParaRPr lang="en-US" dirty="0"/>
           </a:p>
@@ -6152,7 +6795,7 @@
           <a:p>
             <a:fld id="{87DE6118-2437-4B30-8E3C-4D2BE6020583}" type="datetimeFigureOut">
               <a:rPr lang="en-US" smtClean="0"/>
-              <a:t>4/21/2019</a:t>
+              <a:t>4/27/2019</a:t>
             </a:fld>
             <a:endParaRPr lang="en-US" dirty="0"/>
           </a:p>
@@ -6315,7 +6958,7 @@
           <a:p>
             <a:fld id="{87DE6118-2437-4B30-8E3C-4D2BE6020583}" type="datetimeFigureOut">
               <a:rPr lang="en-US" smtClean="0"/>
-              <a:t>4/21/2019</a:t>
+              <a:t>4/27/2019</a:t>
             </a:fld>
             <a:endParaRPr lang="en-US" dirty="0"/>
           </a:p>
@@ -6706,7 +7349,7 @@
             <a:fld id="{87DE6118-2437-4B30-8E3C-4D2BE6020583}" type="datetimeFigureOut">
               <a:rPr lang="en-US" smtClean="0"/>
               <a:pPr/>
-              <a:t>4/21/2019</a:t>
+              <a:t>4/27/2019</a:t>
             </a:fld>
             <a:endParaRPr lang="en-US" dirty="0"/>
           </a:p>
@@ -7117,7 +7760,7 @@
             <a:fld id="{87DE6118-2437-4B30-8E3C-4D2BE6020583}" type="datetimeFigureOut">
               <a:rPr lang="en-US" smtClean="0"/>
               <a:pPr/>
-              <a:t>4/21/2019</a:t>
+              <a:t>4/27/2019</a:t>
             </a:fld>
             <a:endParaRPr lang="en-US" dirty="0"/>
           </a:p>
@@ -7363,7 +8006,7 @@
             <a:fld id="{87DE6118-2437-4B30-8E3C-4D2BE6020583}" type="datetimeFigureOut">
               <a:rPr lang="en-US" smtClean="0"/>
               <a:pPr/>
-              <a:t>4/21/2019</a:t>
+              <a:t>4/27/2019</a:t>
             </a:fld>
             <a:endParaRPr lang="en-US" dirty="0"/>
           </a:p>
@@ -7851,6 +8494,1103 @@
 </p:sld>
 </file>
 
+<file path=ppt/slides/slide10.xml><?xml version="1.0" encoding="utf-8"?>
+<p:sld xmlns:a="http://schemas.openxmlformats.org/drawingml/2006/main" xmlns:r="http://schemas.openxmlformats.org/officeDocument/2006/relationships" xmlns:p="http://schemas.openxmlformats.org/presentationml/2006/main">
+  <p:cSld>
+    <p:spTree>
+      <p:nvGrpSpPr>
+        <p:cNvPr id="1" name=""/>
+        <p:cNvGrpSpPr/>
+        <p:nvPr/>
+      </p:nvGrpSpPr>
+      <p:grpSpPr>
+        <a:xfrm>
+          <a:off x="0" y="0"/>
+          <a:ext cx="0" cy="0"/>
+          <a:chOff x="0" y="0"/>
+          <a:chExt cx="0" cy="0"/>
+        </a:xfrm>
+      </p:grpSpPr>
+      <p:sp>
+        <p:nvSpPr>
+          <p:cNvPr id="2" name="标题 1">
+            <a:extLst>
+              <a:ext uri="{FF2B5EF4-FFF2-40B4-BE49-F238E27FC236}">
+                <a16:creationId xmlns:a16="http://schemas.microsoft.com/office/drawing/2014/main" id="{0E3E23D6-2364-4E31-BD91-FD7D5A86452C}"/>
+              </a:ext>
+            </a:extLst>
+          </p:cNvPr>
+          <p:cNvSpPr>
+            <a:spLocks noGrp="1"/>
+          </p:cNvSpPr>
+          <p:nvPr>
+            <p:ph type="title"/>
+          </p:nvPr>
+        </p:nvSpPr>
+        <p:spPr/>
+        <p:txBody>
+          <a:bodyPr/>
+          <a:lstStyle/>
+          <a:p>
+            <a:r>
+              <a:rPr lang="en-US" altLang="zh-CN" dirty="0"/>
+              <a:t>SSRF</a:t>
+            </a:r>
+            <a:endParaRPr lang="zh-CN" altLang="en-US" dirty="0"/>
+          </a:p>
+        </p:txBody>
+      </p:sp>
+      <p:sp>
+        <p:nvSpPr>
+          <p:cNvPr id="3" name="内容占位符 2">
+            <a:extLst>
+              <a:ext uri="{FF2B5EF4-FFF2-40B4-BE49-F238E27FC236}">
+                <a16:creationId xmlns:a16="http://schemas.microsoft.com/office/drawing/2014/main" id="{F0DD6730-9A48-4F4C-8B09-12E4A9A13992}"/>
+              </a:ext>
+            </a:extLst>
+          </p:cNvPr>
+          <p:cNvSpPr>
+            <a:spLocks noGrp="1"/>
+          </p:cNvSpPr>
+          <p:nvPr>
+            <p:ph idx="1"/>
+          </p:nvPr>
+        </p:nvSpPr>
+        <p:spPr/>
+        <p:txBody>
+          <a:bodyPr/>
+          <a:lstStyle/>
+          <a:p>
+            <a:pPr marL="0" indent="0">
+              <a:buNone/>
+            </a:pPr>
+            <a:endParaRPr lang="en-US" altLang="zh-CN" dirty="0"/>
+          </a:p>
+          <a:p>
+            <a:r>
+              <a:rPr lang="zh-CN" altLang="en-US" dirty="0"/>
+              <a:t>服务器端跨站</a:t>
+            </a:r>
+            <a:endParaRPr lang="en-US" altLang="zh-CN" dirty="0"/>
+          </a:p>
+          <a:p>
+            <a:r>
+              <a:rPr lang="zh-CN" altLang="en-US" dirty="0"/>
+              <a:t>用来攻击内网</a:t>
+            </a:r>
+            <a:endParaRPr lang="en-US" altLang="zh-CN" dirty="0"/>
+          </a:p>
+          <a:p>
+            <a:r>
+              <a:rPr lang="zh-CN" altLang="en-US" dirty="0"/>
+              <a:t>一台服务器对另一台服务器传过来的东西太过于信任</a:t>
+            </a:r>
+            <a:endParaRPr lang="en-US" altLang="zh-CN" dirty="0"/>
+          </a:p>
+          <a:p>
+            <a:endParaRPr lang="en-US" altLang="zh-CN" dirty="0"/>
+          </a:p>
+          <a:p>
+            <a:r>
+              <a:rPr lang="zh-CN" altLang="en-US" dirty="0"/>
+              <a:t>防御方式：对传过来的目标地址或协议进行限制</a:t>
+            </a:r>
+            <a:endParaRPr lang="en-US" altLang="zh-CN" dirty="0"/>
+          </a:p>
+          <a:p>
+            <a:r>
+              <a:rPr lang="en-US" altLang="zh-CN" dirty="0">
+                <a:hlinkClick r:id="rId3"/>
+              </a:rPr>
+              <a:t>http://www.zzfly.net/xnuca-18-writeup/</a:t>
+            </a:r>
+            <a:endParaRPr lang="zh-CN" altLang="en-US" dirty="0"/>
+          </a:p>
+        </p:txBody>
+      </p:sp>
+      <p:pic>
+        <p:nvPicPr>
+          <p:cNvPr id="4" name="图片 3">
+            <a:extLst>
+              <a:ext uri="{FF2B5EF4-FFF2-40B4-BE49-F238E27FC236}">
+                <a16:creationId xmlns:a16="http://schemas.microsoft.com/office/drawing/2014/main" id="{F93383F5-5CCF-45C8-83D6-F7121E1FA89E}"/>
+              </a:ext>
+            </a:extLst>
+          </p:cNvPr>
+          <p:cNvPicPr>
+            <a:picLocks noChangeAspect="1"/>
+          </p:cNvPicPr>
+          <p:nvPr/>
+        </p:nvPicPr>
+        <p:blipFill>
+          <a:blip r:embed="rId4"/>
+          <a:stretch>
+            <a:fillRect/>
+          </a:stretch>
+        </p:blipFill>
+        <p:spPr>
+          <a:xfrm>
+            <a:off x="5425069" y="0"/>
+            <a:ext cx="6766931" cy="3115529"/>
+          </a:xfrm>
+          <a:prstGeom prst="rect">
+            <a:avLst/>
+          </a:prstGeom>
+        </p:spPr>
+      </p:pic>
+    </p:spTree>
+    <p:extLst>
+      <p:ext uri="{BB962C8B-B14F-4D97-AF65-F5344CB8AC3E}">
+        <p14:creationId xmlns:p14="http://schemas.microsoft.com/office/powerpoint/2010/main" val="1437288276"/>
+      </p:ext>
+    </p:extLst>
+  </p:cSld>
+  <p:clrMapOvr>
+    <a:masterClrMapping/>
+  </p:clrMapOvr>
+</p:sld>
+</file>
+
+<file path=ppt/slides/slide11.xml><?xml version="1.0" encoding="utf-8"?>
+<p:sld xmlns:a="http://schemas.openxmlformats.org/drawingml/2006/main" xmlns:r="http://schemas.openxmlformats.org/officeDocument/2006/relationships" xmlns:p="http://schemas.openxmlformats.org/presentationml/2006/main">
+  <p:cSld>
+    <p:spTree>
+      <p:nvGrpSpPr>
+        <p:cNvPr id="1" name=""/>
+        <p:cNvGrpSpPr/>
+        <p:nvPr/>
+      </p:nvGrpSpPr>
+      <p:grpSpPr>
+        <a:xfrm>
+          <a:off x="0" y="0"/>
+          <a:ext cx="0" cy="0"/>
+          <a:chOff x="0" y="0"/>
+          <a:chExt cx="0" cy="0"/>
+        </a:xfrm>
+      </p:grpSpPr>
+      <p:sp>
+        <p:nvSpPr>
+          <p:cNvPr id="2" name="标题 1">
+            <a:extLst>
+              <a:ext uri="{FF2B5EF4-FFF2-40B4-BE49-F238E27FC236}">
+                <a16:creationId xmlns:a16="http://schemas.microsoft.com/office/drawing/2014/main" id="{E4779B32-C14F-4929-92BF-68C2B0F0D120}"/>
+              </a:ext>
+            </a:extLst>
+          </p:cNvPr>
+          <p:cNvSpPr>
+            <a:spLocks noGrp="1"/>
+          </p:cNvSpPr>
+          <p:nvPr>
+            <p:ph type="title"/>
+          </p:nvPr>
+        </p:nvSpPr>
+        <p:spPr/>
+        <p:txBody>
+          <a:bodyPr/>
+          <a:lstStyle/>
+          <a:p>
+            <a:r>
+              <a:rPr lang="zh-CN" altLang="en-US" dirty="0"/>
+              <a:t>弱口令、弱密码</a:t>
+            </a:r>
+          </a:p>
+        </p:txBody>
+      </p:sp>
+      <p:sp>
+        <p:nvSpPr>
+          <p:cNvPr id="3" name="内容占位符 2">
+            <a:extLst>
+              <a:ext uri="{FF2B5EF4-FFF2-40B4-BE49-F238E27FC236}">
+                <a16:creationId xmlns:a16="http://schemas.microsoft.com/office/drawing/2014/main" id="{1416CCDC-A820-4F92-A37D-1D9D2F5B315B}"/>
+              </a:ext>
+            </a:extLst>
+          </p:cNvPr>
+          <p:cNvSpPr>
+            <a:spLocks noGrp="1"/>
+          </p:cNvSpPr>
+          <p:nvPr>
+            <p:ph idx="1"/>
+          </p:nvPr>
+        </p:nvSpPr>
+        <p:spPr/>
+        <p:txBody>
+          <a:bodyPr/>
+          <a:lstStyle/>
+          <a:p>
+            <a:r>
+              <a:rPr lang="zh-CN" altLang="en-US" dirty="0"/>
+              <a:t>别说，在大比赛还真的有</a:t>
+            </a:r>
+            <a:endParaRPr lang="en-US" altLang="zh-CN" dirty="0"/>
+          </a:p>
+          <a:p>
+            <a:r>
+              <a:rPr lang="zh-CN" altLang="en-US" dirty="0"/>
+              <a:t>这个</a:t>
+            </a:r>
+            <a:r>
+              <a:rPr lang="en-US" altLang="zh-CN" dirty="0"/>
+              <a:t>…...</a:t>
+            </a:r>
+            <a:r>
+              <a:rPr lang="zh-CN" altLang="en-US" dirty="0"/>
+              <a:t>主要靠运气叭</a:t>
+            </a:r>
+          </a:p>
+        </p:txBody>
+      </p:sp>
+    </p:spTree>
+    <p:extLst>
+      <p:ext uri="{BB962C8B-B14F-4D97-AF65-F5344CB8AC3E}">
+        <p14:creationId xmlns:p14="http://schemas.microsoft.com/office/powerpoint/2010/main" val="4278508376"/>
+      </p:ext>
+    </p:extLst>
+  </p:cSld>
+  <p:clrMapOvr>
+    <a:masterClrMapping/>
+  </p:clrMapOvr>
+</p:sld>
+</file>
+
+<file path=ppt/slides/slide12.xml><?xml version="1.0" encoding="utf-8"?>
+<p:sld xmlns:a="http://schemas.openxmlformats.org/drawingml/2006/main" xmlns:r="http://schemas.openxmlformats.org/officeDocument/2006/relationships" xmlns:p="http://schemas.openxmlformats.org/presentationml/2006/main">
+  <p:cSld>
+    <p:spTree>
+      <p:nvGrpSpPr>
+        <p:cNvPr id="1" name=""/>
+        <p:cNvGrpSpPr/>
+        <p:nvPr/>
+      </p:nvGrpSpPr>
+      <p:grpSpPr>
+        <a:xfrm>
+          <a:off x="0" y="0"/>
+          <a:ext cx="0" cy="0"/>
+          <a:chOff x="0" y="0"/>
+          <a:chExt cx="0" cy="0"/>
+        </a:xfrm>
+      </p:grpSpPr>
+      <p:sp>
+        <p:nvSpPr>
+          <p:cNvPr id="2" name="标题 1">
+            <a:extLst>
+              <a:ext uri="{FF2B5EF4-FFF2-40B4-BE49-F238E27FC236}">
+                <a16:creationId xmlns:a16="http://schemas.microsoft.com/office/drawing/2014/main" id="{7BBA395E-7822-4449-83EF-3E0D9B7BCAE1}"/>
+              </a:ext>
+            </a:extLst>
+          </p:cNvPr>
+          <p:cNvSpPr>
+            <a:spLocks noGrp="1"/>
+          </p:cNvSpPr>
+          <p:nvPr>
+            <p:ph type="title"/>
+          </p:nvPr>
+        </p:nvSpPr>
+        <p:spPr/>
+        <p:txBody>
+          <a:bodyPr/>
+          <a:lstStyle/>
+          <a:p>
+            <a:r>
+              <a:rPr lang="zh-CN" altLang="en-US" dirty="0"/>
+              <a:t>防守</a:t>
+            </a:r>
+          </a:p>
+        </p:txBody>
+      </p:sp>
+      <p:sp>
+        <p:nvSpPr>
+          <p:cNvPr id="3" name="内容占位符 2">
+            <a:extLst>
+              <a:ext uri="{FF2B5EF4-FFF2-40B4-BE49-F238E27FC236}">
+                <a16:creationId xmlns:a16="http://schemas.microsoft.com/office/drawing/2014/main" id="{4A64DD9D-0DD2-44AD-B86C-B5FDD784679B}"/>
+              </a:ext>
+            </a:extLst>
+          </p:cNvPr>
+          <p:cNvSpPr>
+            <a:spLocks noGrp="1"/>
+          </p:cNvSpPr>
+          <p:nvPr>
+            <p:ph idx="1"/>
+          </p:nvPr>
+        </p:nvSpPr>
+        <p:spPr/>
+        <p:txBody>
+          <a:bodyPr>
+            <a:normAutofit fontScale="92500" lnSpcReduction="10000"/>
+          </a:bodyPr>
+          <a:lstStyle/>
+          <a:p>
+            <a:r>
+              <a:rPr lang="zh-CN" altLang="en-US" dirty="0"/>
+              <a:t>改密码</a:t>
+            </a:r>
+            <a:endParaRPr lang="en-US" altLang="zh-CN" dirty="0"/>
+          </a:p>
+          <a:p>
+            <a:r>
+              <a:rPr lang="zh-CN" altLang="en-US" dirty="0"/>
+              <a:t>备份网站目录</a:t>
+            </a:r>
+            <a:endParaRPr lang="en-US" altLang="zh-CN" dirty="0"/>
+          </a:p>
+          <a:p>
+            <a:r>
+              <a:rPr lang="zh-CN" altLang="en-US" dirty="0"/>
+              <a:t>备份数据库</a:t>
+            </a:r>
+            <a:endParaRPr lang="en-US" altLang="zh-CN" dirty="0"/>
+          </a:p>
+          <a:p>
+            <a:r>
+              <a:rPr lang="zh-CN" altLang="en-US" dirty="0"/>
+              <a:t>上监控（</a:t>
+            </a:r>
+            <a:r>
+              <a:rPr lang="en-US" altLang="zh-CN" dirty="0"/>
+              <a:t>PHP WAF</a:t>
+            </a:r>
+            <a:r>
+              <a:rPr lang="zh-CN" altLang="en-US" dirty="0"/>
+              <a:t>）</a:t>
+            </a:r>
+            <a:endParaRPr lang="en-US" altLang="zh-CN" dirty="0"/>
+          </a:p>
+          <a:p>
+            <a:r>
+              <a:rPr lang="zh-CN" altLang="en-US" dirty="0"/>
+              <a:t>代码审计（</a:t>
+            </a:r>
+            <a:r>
+              <a:rPr lang="en-US" altLang="zh-CN" dirty="0" err="1"/>
+              <a:t>seay</a:t>
+            </a:r>
+            <a:r>
+              <a:rPr lang="en-US" altLang="zh-CN" dirty="0"/>
+              <a:t> </a:t>
+            </a:r>
+            <a:r>
+              <a:rPr lang="zh-CN" altLang="en-US" dirty="0"/>
+              <a:t>源码审计系统）</a:t>
+            </a:r>
+            <a:endParaRPr lang="en-US" altLang="zh-CN" dirty="0"/>
+          </a:p>
+          <a:p>
+            <a:endParaRPr lang="en-US" altLang="zh-CN" dirty="0"/>
+          </a:p>
+          <a:p>
+            <a:r>
+              <a:rPr lang="zh-CN" altLang="en-US" dirty="0"/>
+              <a:t>是什么操作系统</a:t>
+            </a:r>
+            <a:endParaRPr lang="en-US" altLang="zh-CN" dirty="0"/>
+          </a:p>
+          <a:p>
+            <a:r>
+              <a:rPr lang="zh-CN" altLang="en-US" dirty="0"/>
+              <a:t>有啥特性？安装了什么软件？怎么安装软件？</a:t>
+            </a:r>
+            <a:endParaRPr lang="en-US" altLang="zh-CN" dirty="0"/>
+          </a:p>
+          <a:p>
+            <a:r>
+              <a:rPr lang="en-US" altLang="zh-CN"/>
+              <a:t>IP </a:t>
+            </a:r>
+            <a:r>
+              <a:rPr lang="zh-CN" altLang="en-US"/>
+              <a:t>地址</a:t>
+            </a:r>
+            <a:endParaRPr lang="en-US" altLang="zh-CN" dirty="0"/>
+          </a:p>
+          <a:p>
+            <a:endParaRPr lang="zh-CN" altLang="en-US" dirty="0"/>
+          </a:p>
+        </p:txBody>
+      </p:sp>
+    </p:spTree>
+    <p:extLst>
+      <p:ext uri="{BB962C8B-B14F-4D97-AF65-F5344CB8AC3E}">
+        <p14:creationId xmlns:p14="http://schemas.microsoft.com/office/powerpoint/2010/main" val="556262335"/>
+      </p:ext>
+    </p:extLst>
+  </p:cSld>
+  <p:clrMapOvr>
+    <a:masterClrMapping/>
+  </p:clrMapOvr>
+</p:sld>
+</file>
+
+<file path=ppt/slides/slide13.xml><?xml version="1.0" encoding="utf-8"?>
+<p:sld xmlns:a="http://schemas.openxmlformats.org/drawingml/2006/main" xmlns:r="http://schemas.openxmlformats.org/officeDocument/2006/relationships" xmlns:p="http://schemas.openxmlformats.org/presentationml/2006/main">
+  <p:cSld>
+    <p:spTree>
+      <p:nvGrpSpPr>
+        <p:cNvPr id="1" name=""/>
+        <p:cNvGrpSpPr/>
+        <p:nvPr/>
+      </p:nvGrpSpPr>
+      <p:grpSpPr>
+        <a:xfrm>
+          <a:off x="0" y="0"/>
+          <a:ext cx="0" cy="0"/>
+          <a:chOff x="0" y="0"/>
+          <a:chExt cx="0" cy="0"/>
+        </a:xfrm>
+      </p:grpSpPr>
+      <p:sp>
+        <p:nvSpPr>
+          <p:cNvPr id="2" name="标题 1">
+            <a:extLst>
+              <a:ext uri="{FF2B5EF4-FFF2-40B4-BE49-F238E27FC236}">
+                <a16:creationId xmlns:a16="http://schemas.microsoft.com/office/drawing/2014/main" id="{EC907A75-5C91-45AB-9D7B-41DED6C1561C}"/>
+              </a:ext>
+            </a:extLst>
+          </p:cNvPr>
+          <p:cNvSpPr>
+            <a:spLocks noGrp="1"/>
+          </p:cNvSpPr>
+          <p:nvPr>
+            <p:ph type="title"/>
+          </p:nvPr>
+        </p:nvSpPr>
+        <p:spPr/>
+        <p:txBody>
+          <a:bodyPr/>
+          <a:lstStyle/>
+          <a:p>
+            <a:r>
+              <a:rPr lang="en-US" altLang="zh-CN" dirty="0"/>
+              <a:t>PHP </a:t>
+            </a:r>
+            <a:r>
+              <a:rPr lang="zh-CN" altLang="en-US" dirty="0"/>
+              <a:t>代码怎么安装</a:t>
+            </a:r>
+          </a:p>
+        </p:txBody>
+      </p:sp>
+      <p:sp>
+        <p:nvSpPr>
+          <p:cNvPr id="3" name="内容占位符 2">
+            <a:extLst>
+              <a:ext uri="{FF2B5EF4-FFF2-40B4-BE49-F238E27FC236}">
+                <a16:creationId xmlns:a16="http://schemas.microsoft.com/office/drawing/2014/main" id="{3611B115-F540-4576-991E-49A7D92E8317}"/>
+              </a:ext>
+            </a:extLst>
+          </p:cNvPr>
+          <p:cNvSpPr>
+            <a:spLocks noGrp="1"/>
+          </p:cNvSpPr>
+          <p:nvPr>
+            <p:ph idx="1"/>
+          </p:nvPr>
+        </p:nvSpPr>
+        <p:spPr/>
+        <p:txBody>
+          <a:bodyPr/>
+          <a:lstStyle/>
+          <a:p>
+            <a:r>
+              <a:rPr lang="zh-CN" altLang="en-US" dirty="0"/>
+              <a:t>复制粘贴，修改数据库配置，运行</a:t>
+            </a:r>
+            <a:endParaRPr lang="en-US" altLang="zh-CN" dirty="0"/>
+          </a:p>
+          <a:p>
+            <a:r>
+              <a:rPr lang="en-US" altLang="zh-CN" dirty="0"/>
+              <a:t>Composer </a:t>
+            </a:r>
+            <a:r>
+              <a:rPr lang="zh-CN" altLang="en-US" dirty="0"/>
+              <a:t>依赖管理</a:t>
+            </a:r>
+            <a:endParaRPr lang="en-US" altLang="zh-CN" dirty="0"/>
+          </a:p>
+          <a:p>
+            <a:pPr lvl="1"/>
+            <a:r>
+              <a:rPr lang="en-US" altLang="zh-CN" dirty="0"/>
+              <a:t>composer update</a:t>
+            </a:r>
+          </a:p>
+        </p:txBody>
+      </p:sp>
+    </p:spTree>
+    <p:extLst>
+      <p:ext uri="{BB962C8B-B14F-4D97-AF65-F5344CB8AC3E}">
+        <p14:creationId xmlns:p14="http://schemas.microsoft.com/office/powerpoint/2010/main" val="1634279473"/>
+      </p:ext>
+    </p:extLst>
+  </p:cSld>
+  <p:clrMapOvr>
+    <a:masterClrMapping/>
+  </p:clrMapOvr>
+</p:sld>
+</file>
+
+<file path=ppt/slides/slide14.xml><?xml version="1.0" encoding="utf-8"?>
+<p:sld xmlns:a="http://schemas.openxmlformats.org/drawingml/2006/main" xmlns:r="http://schemas.openxmlformats.org/officeDocument/2006/relationships" xmlns:p="http://schemas.openxmlformats.org/presentationml/2006/main">
+  <p:cSld>
+    <p:spTree>
+      <p:nvGrpSpPr>
+        <p:cNvPr id="1" name=""/>
+        <p:cNvGrpSpPr/>
+        <p:nvPr/>
+      </p:nvGrpSpPr>
+      <p:grpSpPr>
+        <a:xfrm>
+          <a:off x="0" y="0"/>
+          <a:ext cx="0" cy="0"/>
+          <a:chOff x="0" y="0"/>
+          <a:chExt cx="0" cy="0"/>
+        </a:xfrm>
+      </p:grpSpPr>
+      <p:sp>
+        <p:nvSpPr>
+          <p:cNvPr id="2" name="标题 1">
+            <a:extLst>
+              <a:ext uri="{FF2B5EF4-FFF2-40B4-BE49-F238E27FC236}">
+                <a16:creationId xmlns:a16="http://schemas.microsoft.com/office/drawing/2014/main" id="{312E65F1-549E-4502-8C1C-902E02F819DF}"/>
+              </a:ext>
+            </a:extLst>
+          </p:cNvPr>
+          <p:cNvSpPr>
+            <a:spLocks noGrp="1"/>
+          </p:cNvSpPr>
+          <p:nvPr>
+            <p:ph type="title"/>
+          </p:nvPr>
+        </p:nvSpPr>
+        <p:spPr/>
+        <p:txBody>
+          <a:bodyPr/>
+          <a:lstStyle/>
+          <a:p>
+            <a:r>
+              <a:rPr lang="en-US" altLang="zh-CN" dirty="0"/>
+              <a:t>AWD </a:t>
+            </a:r>
+            <a:r>
+              <a:rPr lang="zh-CN" altLang="en-US" dirty="0"/>
+              <a:t>友谊赛</a:t>
+            </a:r>
+          </a:p>
+        </p:txBody>
+      </p:sp>
+      <p:sp>
+        <p:nvSpPr>
+          <p:cNvPr id="3" name="内容占位符 2">
+            <a:extLst>
+              <a:ext uri="{FF2B5EF4-FFF2-40B4-BE49-F238E27FC236}">
+                <a16:creationId xmlns:a16="http://schemas.microsoft.com/office/drawing/2014/main" id="{583873F7-2A4E-4A77-8801-22973E2C92F3}"/>
+              </a:ext>
+            </a:extLst>
+          </p:cNvPr>
+          <p:cNvSpPr>
+            <a:spLocks noGrp="1"/>
+          </p:cNvSpPr>
+          <p:nvPr>
+            <p:ph idx="1"/>
+          </p:nvPr>
+        </p:nvSpPr>
+        <p:spPr/>
+        <p:txBody>
+          <a:bodyPr/>
+          <a:lstStyle/>
+          <a:p>
+            <a:r>
+              <a:rPr lang="zh-CN" altLang="en-US" dirty="0"/>
+              <a:t>咳咳，欢迎参加第一届</a:t>
+            </a:r>
+            <a:r>
+              <a:rPr lang="en-US" altLang="zh-CN" dirty="0"/>
+              <a:t>(</a:t>
+            </a:r>
+            <a:r>
+              <a:rPr lang="zh-CN" altLang="en-US" dirty="0"/>
+              <a:t>可能没有下一届</a:t>
+            </a:r>
+            <a:r>
+              <a:rPr lang="en-US" altLang="zh-CN" dirty="0"/>
+              <a:t>)</a:t>
+            </a:r>
+            <a:r>
+              <a:rPr lang="zh-CN" altLang="en-US" dirty="0"/>
+              <a:t>的</a:t>
+            </a:r>
+            <a:r>
+              <a:rPr lang="en-US" altLang="zh-CN" dirty="0"/>
+              <a:t>CTF</a:t>
+            </a:r>
+            <a:r>
+              <a:rPr lang="zh-CN" altLang="en-US" dirty="0"/>
+              <a:t>分享会</a:t>
+            </a:r>
+            <a:r>
+              <a:rPr lang="en-US" altLang="zh-CN" dirty="0"/>
+              <a:t>·</a:t>
+            </a:r>
+            <a:r>
+              <a:rPr lang="zh-CN" altLang="en-US" dirty="0"/>
+              <a:t>线下赛</a:t>
+            </a:r>
+            <a:endParaRPr lang="en-US" altLang="zh-CN" dirty="0"/>
+          </a:p>
+          <a:p>
+            <a:endParaRPr lang="en-US" altLang="zh-CN" dirty="0"/>
+          </a:p>
+          <a:p>
+            <a:r>
+              <a:rPr lang="zh-CN" altLang="en-US" dirty="0"/>
+              <a:t>比赛类型：</a:t>
+            </a:r>
+            <a:r>
+              <a:rPr lang="en-US" altLang="zh-CN" dirty="0"/>
+              <a:t>AWD</a:t>
+            </a:r>
+          </a:p>
+          <a:p>
+            <a:r>
+              <a:rPr lang="zh-CN" altLang="en-US" dirty="0"/>
+              <a:t>比赛时间：一个小时（如果没人</a:t>
+            </a:r>
+            <a:r>
+              <a:rPr lang="en-US" altLang="zh-CN" dirty="0"/>
+              <a:t>AK</a:t>
+            </a:r>
+            <a:r>
+              <a:rPr lang="zh-CN" altLang="en-US" dirty="0"/>
+              <a:t>，则延长半个小时）</a:t>
+            </a:r>
+            <a:endParaRPr lang="en-US" altLang="zh-CN" dirty="0"/>
+          </a:p>
+          <a:p>
+            <a:r>
+              <a:rPr lang="zh-CN" altLang="en-US" dirty="0"/>
+              <a:t>比赛奖项：得分最高的队伍 </a:t>
+            </a:r>
+            <a:r>
+              <a:rPr lang="en-US" altLang="zh-CN" dirty="0"/>
+              <a:t>-&gt; </a:t>
+            </a:r>
+            <a:r>
+              <a:rPr lang="zh-CN" altLang="en-US" dirty="0"/>
+              <a:t>小零食</a:t>
+            </a:r>
+            <a:endParaRPr lang="en-US" altLang="zh-CN" dirty="0"/>
+          </a:p>
+          <a:p>
+            <a:r>
+              <a:rPr lang="zh-CN" altLang="en-US" dirty="0"/>
+              <a:t>比赛环境运行于 </a:t>
+            </a:r>
+            <a:r>
+              <a:rPr lang="en-US" altLang="zh-CN" dirty="0" err="1"/>
+              <a:t>DigitalOcean</a:t>
+            </a:r>
+            <a:r>
+              <a:rPr lang="en-US" altLang="zh-CN" dirty="0"/>
+              <a:t> </a:t>
+            </a:r>
+            <a:r>
+              <a:rPr lang="zh-CN" altLang="en-US" dirty="0"/>
+              <a:t>公有云，请勿对非比赛 </a:t>
+            </a:r>
+            <a:r>
+              <a:rPr lang="en-US" altLang="zh-CN" dirty="0" err="1"/>
+              <a:t>ip</a:t>
+            </a:r>
+            <a:r>
+              <a:rPr lang="en-US" altLang="zh-CN" dirty="0"/>
+              <a:t> </a:t>
+            </a:r>
+            <a:r>
+              <a:rPr lang="zh-CN" altLang="en-US" dirty="0"/>
+              <a:t>以及端口进行非法操作</a:t>
+            </a:r>
+            <a:endParaRPr lang="en-US" altLang="zh-CN" dirty="0"/>
+          </a:p>
+          <a:p>
+            <a:pPr marL="0" indent="0">
+              <a:buNone/>
+            </a:pPr>
+            <a:endParaRPr lang="en-US" altLang="zh-CN" dirty="0"/>
+          </a:p>
+          <a:p>
+            <a:pPr marL="0" indent="0">
+              <a:buNone/>
+            </a:pPr>
+            <a:endParaRPr lang="en-US" altLang="zh-CN" dirty="0"/>
+          </a:p>
+          <a:p>
+            <a:pPr marL="0" indent="0">
+              <a:buNone/>
+            </a:pPr>
+            <a:endParaRPr lang="en-US" altLang="zh-CN" dirty="0"/>
+          </a:p>
+          <a:p>
+            <a:endParaRPr lang="zh-CN" altLang="en-US" dirty="0"/>
+          </a:p>
+        </p:txBody>
+      </p:sp>
+    </p:spTree>
+    <p:extLst>
+      <p:ext uri="{BB962C8B-B14F-4D97-AF65-F5344CB8AC3E}">
+        <p14:creationId xmlns:p14="http://schemas.microsoft.com/office/powerpoint/2010/main" val="4162673912"/>
+      </p:ext>
+    </p:extLst>
+  </p:cSld>
+  <p:clrMapOvr>
+    <a:masterClrMapping/>
+  </p:clrMapOvr>
+</p:sld>
+</file>
+
+<file path=ppt/slides/slide15.xml><?xml version="1.0" encoding="utf-8"?>
+<p:sld xmlns:a="http://schemas.openxmlformats.org/drawingml/2006/main" xmlns:r="http://schemas.openxmlformats.org/officeDocument/2006/relationships" xmlns:p="http://schemas.openxmlformats.org/presentationml/2006/main">
+  <p:cSld>
+    <p:spTree>
+      <p:nvGrpSpPr>
+        <p:cNvPr id="1" name=""/>
+        <p:cNvGrpSpPr/>
+        <p:nvPr/>
+      </p:nvGrpSpPr>
+      <p:grpSpPr>
+        <a:xfrm>
+          <a:off x="0" y="0"/>
+          <a:ext cx="0" cy="0"/>
+          <a:chOff x="0" y="0"/>
+          <a:chExt cx="0" cy="0"/>
+        </a:xfrm>
+      </p:grpSpPr>
+      <p:sp>
+        <p:nvSpPr>
+          <p:cNvPr id="2" name="标题 1">
+            <a:extLst>
+              <a:ext uri="{FF2B5EF4-FFF2-40B4-BE49-F238E27FC236}">
+                <a16:creationId xmlns:a16="http://schemas.microsoft.com/office/drawing/2014/main" id="{D405A44C-41C3-4D4F-96BA-689653AD9248}"/>
+              </a:ext>
+            </a:extLst>
+          </p:cNvPr>
+          <p:cNvSpPr>
+            <a:spLocks noGrp="1"/>
+          </p:cNvSpPr>
+          <p:nvPr>
+            <p:ph type="title"/>
+          </p:nvPr>
+        </p:nvSpPr>
+        <p:spPr>
+          <a:xfrm>
+            <a:off x="680321" y="753228"/>
+            <a:ext cx="9613861" cy="1080938"/>
+          </a:xfrm>
+        </p:spPr>
+        <p:txBody>
+          <a:bodyPr/>
+          <a:lstStyle/>
+          <a:p>
+            <a:r>
+              <a:rPr lang="zh-CN" altLang="en-US" dirty="0"/>
+              <a:t>注意事项</a:t>
+            </a:r>
+          </a:p>
+        </p:txBody>
+      </p:sp>
+      <p:sp>
+        <p:nvSpPr>
+          <p:cNvPr id="3" name="内容占位符 2">
+            <a:extLst>
+              <a:ext uri="{FF2B5EF4-FFF2-40B4-BE49-F238E27FC236}">
+                <a16:creationId xmlns:a16="http://schemas.microsoft.com/office/drawing/2014/main" id="{36D6B137-9705-4BDA-970A-1335596B8B39}"/>
+              </a:ext>
+            </a:extLst>
+          </p:cNvPr>
+          <p:cNvSpPr>
+            <a:spLocks noGrp="1"/>
+          </p:cNvSpPr>
+          <p:nvPr>
+            <p:ph idx="1"/>
+          </p:nvPr>
+        </p:nvSpPr>
+        <p:spPr/>
+        <p:txBody>
+          <a:bodyPr>
+            <a:normAutofit lnSpcReduction="10000"/>
+          </a:bodyPr>
+          <a:lstStyle/>
+          <a:p>
+            <a:pPr marL="0" indent="0">
+              <a:buNone/>
+            </a:pPr>
+            <a:endParaRPr lang="en-US" altLang="zh-CN" dirty="0"/>
+          </a:p>
+          <a:p>
+            <a:r>
+              <a:rPr lang="en-US" altLang="zh-CN" dirty="0"/>
+              <a:t>10</a:t>
+            </a:r>
+            <a:r>
+              <a:rPr lang="zh-CN" altLang="en-US" dirty="0"/>
+              <a:t>分钟为一个回合</a:t>
+            </a:r>
+            <a:endParaRPr lang="en-US" altLang="zh-CN" dirty="0"/>
+          </a:p>
+          <a:p>
+            <a:r>
+              <a:rPr lang="zh-CN" altLang="en-US" dirty="0"/>
+              <a:t>存活检测</a:t>
+            </a:r>
+            <a:endParaRPr lang="en-US" altLang="zh-CN" dirty="0"/>
+          </a:p>
+          <a:p>
+            <a:r>
+              <a:rPr lang="zh-CN" altLang="en-US" dirty="0"/>
+              <a:t>一题签到题目，一题多个 </a:t>
+            </a:r>
+            <a:r>
+              <a:rPr lang="en-US" altLang="zh-CN" dirty="0"/>
+              <a:t>flag</a:t>
+            </a:r>
+            <a:r>
+              <a:rPr lang="zh-CN" altLang="en-US" dirty="0"/>
+              <a:t>，一题动态 </a:t>
+            </a:r>
+            <a:r>
+              <a:rPr lang="en-US" altLang="zh-CN" dirty="0"/>
+              <a:t>flag</a:t>
+            </a:r>
+          </a:p>
+          <a:p>
+            <a:r>
+              <a:rPr lang="zh-CN" altLang="en-US" dirty="0"/>
+              <a:t>请根据 </a:t>
+            </a:r>
+            <a:r>
+              <a:rPr lang="en-US" altLang="zh-CN" dirty="0"/>
+              <a:t>GOCTF </a:t>
+            </a:r>
+            <a:r>
+              <a:rPr lang="zh-CN" altLang="en-US" dirty="0"/>
+              <a:t>上关于“</a:t>
+            </a:r>
+            <a:r>
+              <a:rPr lang="en-US" altLang="zh-CN" dirty="0"/>
+              <a:t>AWD</a:t>
+            </a:r>
+            <a:r>
+              <a:rPr lang="zh-CN" altLang="en-US" dirty="0"/>
+              <a:t>友谊赛”的提示完成比赛</a:t>
+            </a:r>
+            <a:endParaRPr lang="en-US" altLang="zh-CN" dirty="0"/>
+          </a:p>
+          <a:p>
+            <a:endParaRPr lang="en-US" altLang="zh-CN" dirty="0"/>
+          </a:p>
+          <a:p>
+            <a:r>
+              <a:rPr lang="en-US" altLang="zh-CN" dirty="0"/>
+              <a:t>GOCTF: ctf.scau.edu.cn/</a:t>
+            </a:r>
+            <a:r>
+              <a:rPr lang="en-US" altLang="zh-CN" dirty="0" err="1"/>
+              <a:t>goctf</a:t>
+            </a:r>
+            <a:r>
+              <a:rPr lang="en-US" altLang="zh-CN" dirty="0"/>
+              <a:t>   |   172.26.14.35:10020/</a:t>
+            </a:r>
+            <a:r>
+              <a:rPr lang="en-US" altLang="zh-CN" dirty="0" err="1"/>
+              <a:t>goctf</a:t>
+            </a:r>
+            <a:endParaRPr lang="en-US" altLang="zh-CN" dirty="0"/>
+          </a:p>
+          <a:p>
+            <a:r>
+              <a:rPr lang="zh-CN" altLang="en-US" dirty="0"/>
+              <a:t>比赛靶机： </a:t>
+            </a:r>
+            <a:r>
+              <a:rPr lang="en-US" altLang="zh-CN" dirty="0"/>
+              <a:t>do.x64.men + </a:t>
+            </a:r>
+            <a:r>
+              <a:rPr lang="zh-CN" altLang="en-US" dirty="0"/>
+              <a:t>队伍端口</a:t>
+            </a:r>
+            <a:endParaRPr lang="en-US" altLang="zh-CN" dirty="0"/>
+          </a:p>
+          <a:p>
+            <a:endParaRPr lang="zh-CN" altLang="en-US" dirty="0"/>
+          </a:p>
+        </p:txBody>
+      </p:sp>
+    </p:spTree>
+    <p:extLst>
+      <p:ext uri="{BB962C8B-B14F-4D97-AF65-F5344CB8AC3E}">
+        <p14:creationId xmlns:p14="http://schemas.microsoft.com/office/powerpoint/2010/main" val="3743952418"/>
+      </p:ext>
+    </p:extLst>
+  </p:cSld>
+  <p:clrMapOvr>
+    <a:masterClrMapping/>
+  </p:clrMapOvr>
+</p:sld>
+</file>
+
+<file path=ppt/slides/slide16.xml><?xml version="1.0" encoding="utf-8"?>
+<p:sld xmlns:a="http://schemas.openxmlformats.org/drawingml/2006/main" xmlns:r="http://schemas.openxmlformats.org/officeDocument/2006/relationships" xmlns:p="http://schemas.openxmlformats.org/presentationml/2006/main">
+  <p:cSld>
+    <p:spTree>
+      <p:nvGrpSpPr>
+        <p:cNvPr id="1" name=""/>
+        <p:cNvGrpSpPr/>
+        <p:nvPr/>
+      </p:nvGrpSpPr>
+      <p:grpSpPr>
+        <a:xfrm>
+          <a:off x="0" y="0"/>
+          <a:ext cx="0" cy="0"/>
+          <a:chOff x="0" y="0"/>
+          <a:chExt cx="0" cy="0"/>
+        </a:xfrm>
+      </p:grpSpPr>
+      <p:sp>
+        <p:nvSpPr>
+          <p:cNvPr id="2" name="标题 1">
+            <a:extLst>
+              <a:ext uri="{FF2B5EF4-FFF2-40B4-BE49-F238E27FC236}">
+                <a16:creationId xmlns:a16="http://schemas.microsoft.com/office/drawing/2014/main" id="{4EFE1E96-38F2-4158-B558-FD15DE689FB0}"/>
+              </a:ext>
+            </a:extLst>
+          </p:cNvPr>
+          <p:cNvSpPr>
+            <a:spLocks noGrp="1"/>
+          </p:cNvSpPr>
+          <p:nvPr>
+            <p:ph type="title"/>
+          </p:nvPr>
+        </p:nvSpPr>
+        <p:spPr/>
+        <p:txBody>
+          <a:bodyPr/>
+          <a:lstStyle/>
+          <a:p>
+            <a:r>
+              <a:rPr lang="zh-CN" altLang="en-US" dirty="0"/>
+              <a:t>友谊赛 </a:t>
+            </a:r>
+            <a:r>
+              <a:rPr lang="en-US" altLang="zh-CN" dirty="0"/>
+              <a:t>Writeup</a:t>
+            </a:r>
+            <a:endParaRPr lang="zh-CN" altLang="en-US" dirty="0"/>
+          </a:p>
+        </p:txBody>
+      </p:sp>
+      <p:sp>
+        <p:nvSpPr>
+          <p:cNvPr id="3" name="内容占位符 2">
+            <a:extLst>
+              <a:ext uri="{FF2B5EF4-FFF2-40B4-BE49-F238E27FC236}">
+                <a16:creationId xmlns:a16="http://schemas.microsoft.com/office/drawing/2014/main" id="{3C0AA5CA-EEF3-4462-A0FA-B2C56EC7EA77}"/>
+              </a:ext>
+            </a:extLst>
+          </p:cNvPr>
+          <p:cNvSpPr>
+            <a:spLocks noGrp="1"/>
+          </p:cNvSpPr>
+          <p:nvPr>
+            <p:ph idx="1"/>
+          </p:nvPr>
+        </p:nvSpPr>
+        <p:spPr/>
+        <p:txBody>
+          <a:bodyPr/>
+          <a:lstStyle/>
+          <a:p>
+            <a:r>
+              <a:rPr lang="zh-CN" altLang="en-US" dirty="0"/>
+              <a:t>进攻部分</a:t>
+            </a:r>
+            <a:endParaRPr lang="en-US" altLang="zh-CN" dirty="0"/>
+          </a:p>
+          <a:p>
+            <a:pPr lvl="1"/>
+            <a:r>
+              <a:rPr lang="en-US" altLang="zh-CN" dirty="0"/>
+              <a:t>WebSocket </a:t>
+            </a:r>
+            <a:r>
+              <a:rPr lang="zh-CN" altLang="en-US" dirty="0"/>
+              <a:t>窃听</a:t>
+            </a:r>
+            <a:endParaRPr lang="en-US" altLang="zh-CN" dirty="0"/>
+          </a:p>
+          <a:p>
+            <a:pPr lvl="1"/>
+            <a:r>
+              <a:rPr lang="zh-CN" altLang="en-US" dirty="0"/>
+              <a:t>文件上传校验</a:t>
+            </a:r>
+            <a:endParaRPr lang="en-US" altLang="zh-CN" dirty="0"/>
+          </a:p>
+          <a:p>
+            <a:endParaRPr lang="en-US" altLang="zh-CN" dirty="0"/>
+          </a:p>
+          <a:p>
+            <a:r>
+              <a:rPr lang="zh-CN" altLang="en-US" dirty="0"/>
+              <a:t>防守部分</a:t>
+            </a:r>
+            <a:endParaRPr lang="en-US" altLang="zh-CN" dirty="0"/>
+          </a:p>
+          <a:p>
+            <a:pPr lvl="1"/>
+            <a:r>
+              <a:rPr lang="en-US" altLang="zh-CN" dirty="0"/>
+              <a:t>Alpine Linux</a:t>
+            </a:r>
+          </a:p>
+          <a:p>
+            <a:pPr lvl="1"/>
+            <a:r>
+              <a:rPr lang="en-US" altLang="zh-CN" dirty="0"/>
+              <a:t>PHP + SQLite </a:t>
+            </a:r>
+            <a:r>
+              <a:rPr lang="zh-CN" altLang="en-US" dirty="0"/>
+              <a:t>环境</a:t>
+            </a:r>
+            <a:endParaRPr lang="en-US" altLang="zh-CN" dirty="0"/>
+          </a:p>
+          <a:p>
+            <a:pPr lvl="1"/>
+            <a:r>
+              <a:rPr lang="en-US" altLang="zh-CN" dirty="0"/>
+              <a:t>Laravel </a:t>
+            </a:r>
+            <a:r>
+              <a:rPr lang="zh-CN" altLang="en-US" dirty="0"/>
+              <a:t>框架业务部分源码审计</a:t>
+            </a:r>
+          </a:p>
+        </p:txBody>
+      </p:sp>
+    </p:spTree>
+    <p:extLst>
+      <p:ext uri="{BB962C8B-B14F-4D97-AF65-F5344CB8AC3E}">
+        <p14:creationId xmlns:p14="http://schemas.microsoft.com/office/powerpoint/2010/main" val="3934795313"/>
+      </p:ext>
+    </p:extLst>
+  </p:cSld>
+  <p:clrMapOvr>
+    <a:masterClrMapping/>
+  </p:clrMapOvr>
+</p:sld>
+</file>
+
 <file path=ppt/slides/slide2.xml><?xml version="1.0" encoding="utf-8"?>
 <p:sld xmlns:a="http://schemas.openxmlformats.org/drawingml/2006/main" xmlns:r="http://schemas.openxmlformats.org/officeDocument/2006/relationships" xmlns:p="http://schemas.openxmlformats.org/presentationml/2006/main">
   <p:cSld>
@@ -8057,7 +9797,7 @@
           <p:cNvPr id="2" name="标题 1">
             <a:extLst>
               <a:ext uri="{FF2B5EF4-FFF2-40B4-BE49-F238E27FC236}">
-                <a16:creationId xmlns:a16="http://schemas.microsoft.com/office/drawing/2014/main" id="{60323DA4-006C-412A-BEC9-FC2B2E126267}"/>
+                <a16:creationId xmlns:a16="http://schemas.microsoft.com/office/drawing/2014/main" id="{5FB9CA20-6E20-43B6-AF9B-B81A4E9E171D}"/>
               </a:ext>
             </a:extLst>
           </p:cNvPr>
@@ -8075,8 +9815,13 @@
           <a:p>
             <a:r>
               <a:rPr lang="zh-CN" altLang="en-US" dirty="0"/>
-              <a:t>攻击</a:t>
-            </a:r>
+              <a:t>什么是</a:t>
+            </a:r>
+            <a:r>
+              <a:rPr lang="en-US" altLang="zh-CN" dirty="0"/>
+              <a:t>AWD</a:t>
+            </a:r>
+            <a:endParaRPr lang="zh-CN" altLang="en-US" dirty="0"/>
           </a:p>
         </p:txBody>
       </p:sp>
@@ -8085,7 +9830,7 @@
           <p:cNvPr id="3" name="内容占位符 2">
             <a:extLst>
               <a:ext uri="{FF2B5EF4-FFF2-40B4-BE49-F238E27FC236}">
-                <a16:creationId xmlns:a16="http://schemas.microsoft.com/office/drawing/2014/main" id="{A527A9E1-AC1F-405D-9439-252F8EEF2602}"/>
+                <a16:creationId xmlns:a16="http://schemas.microsoft.com/office/drawing/2014/main" id="{9D1335A3-3F95-4B21-B463-7AC72077D664}"/>
               </a:ext>
             </a:extLst>
           </p:cNvPr>
@@ -8098,136 +9843,52 @@
         </p:nvSpPr>
         <p:spPr/>
         <p:txBody>
-          <a:bodyPr>
-            <a:normAutofit fontScale="92500" lnSpcReduction="10000"/>
-          </a:bodyPr>
+          <a:bodyPr/>
           <a:lstStyle/>
           <a:p>
             <a:r>
-              <a:rPr lang="zh-CN" altLang="en-US" sz="2800" dirty="0"/>
-              <a:t>以渗透为主</a:t>
-            </a:r>
-            <a:endParaRPr lang="en-US" altLang="zh-CN" sz="2800" dirty="0"/>
-          </a:p>
-          <a:p>
-            <a:r>
-              <a:rPr lang="zh-CN" altLang="en-US" sz="2800" dirty="0"/>
-              <a:t>以 </a:t>
-            </a:r>
-            <a:r>
-              <a:rPr lang="en-US" altLang="zh-CN" sz="2800" dirty="0"/>
-              <a:t>PHP </a:t>
-            </a:r>
-            <a:r>
-              <a:rPr lang="zh-CN" altLang="en-US" sz="2800" dirty="0"/>
-              <a:t>和 </a:t>
-            </a:r>
-            <a:r>
-              <a:rPr lang="en-US" altLang="zh-CN" sz="2800" dirty="0"/>
-              <a:t>Python </a:t>
-            </a:r>
-            <a:r>
-              <a:rPr lang="zh-CN" altLang="en-US" sz="2800" dirty="0"/>
-              <a:t>为主</a:t>
-            </a:r>
-            <a:endParaRPr lang="en-US" altLang="zh-CN" sz="2800" dirty="0"/>
-          </a:p>
-          <a:p>
-            <a:r>
-              <a:rPr lang="zh-CN" altLang="en-US" sz="2800" dirty="0"/>
-              <a:t>以 </a:t>
-            </a:r>
-            <a:r>
-              <a:rPr lang="en-US" altLang="zh-CN" sz="2800" dirty="0"/>
-              <a:t>Linux </a:t>
-            </a:r>
-            <a:r>
-              <a:rPr lang="zh-CN" altLang="en-US" sz="2800" dirty="0"/>
-              <a:t>为主</a:t>
-            </a:r>
-            <a:endParaRPr lang="en-US" altLang="zh-CN" sz="2800" dirty="0"/>
-          </a:p>
-          <a:p>
-            <a:r>
-              <a:rPr lang="zh-CN" altLang="en-US" sz="2800" dirty="0"/>
-              <a:t>以 </a:t>
-            </a:r>
-            <a:r>
-              <a:rPr lang="en-US" altLang="zh-CN" sz="2800" dirty="0"/>
-              <a:t>get Shell </a:t>
-            </a:r>
-            <a:r>
-              <a:rPr lang="zh-CN" altLang="en-US" sz="2800" dirty="0"/>
-              <a:t>为主</a:t>
-            </a:r>
-            <a:endParaRPr lang="en-US" altLang="zh-CN" sz="2800" dirty="0"/>
-          </a:p>
-          <a:p>
-            <a:r>
-              <a:rPr lang="en-US" altLang="zh-CN" sz="2800" dirty="0"/>
-              <a:t>SQL </a:t>
-            </a:r>
-            <a:r>
-              <a:rPr lang="zh-CN" altLang="en-US" sz="2800" dirty="0"/>
-              <a:t>注入</a:t>
-            </a:r>
-            <a:endParaRPr lang="en-US" altLang="zh-CN" sz="2800" dirty="0"/>
-          </a:p>
-          <a:p>
-            <a:r>
-              <a:rPr lang="zh-CN" altLang="en-US" sz="2800" dirty="0"/>
-              <a:t>文件包含</a:t>
-            </a:r>
-            <a:endParaRPr lang="en-US" altLang="zh-CN" sz="2800" dirty="0"/>
-          </a:p>
-          <a:p>
-            <a:r>
-              <a:rPr lang="zh-CN" altLang="en-US" sz="2800" dirty="0"/>
-              <a:t>文件上传</a:t>
-            </a:r>
-            <a:endParaRPr lang="en-US" altLang="zh-CN" sz="2800" dirty="0"/>
-          </a:p>
-          <a:p>
-            <a:r>
-              <a:rPr lang="zh-CN" altLang="en-US" sz="2800" dirty="0"/>
-              <a:t>实在不想多说</a:t>
-            </a:r>
-            <a:r>
-              <a:rPr lang="en-US" altLang="zh-CN" sz="2800" dirty="0"/>
-              <a:t>..</a:t>
-            </a:r>
-            <a:r>
-              <a:rPr lang="zh-CN" altLang="en-US" sz="2800" dirty="0"/>
-              <a:t>你们都懂，不懂的去刷 </a:t>
-            </a:r>
-            <a:r>
-              <a:rPr lang="en-US" altLang="zh-CN" sz="2800" dirty="0"/>
-              <a:t>GOCTF </a:t>
-            </a:r>
-            <a:r>
-              <a:rPr lang="zh-CN" altLang="en-US" sz="2800" dirty="0"/>
-              <a:t>吧</a:t>
-            </a:r>
-            <a:endParaRPr lang="en-US" altLang="zh-CN" sz="2800" dirty="0"/>
-          </a:p>
-          <a:p>
-            <a:endParaRPr lang="en-US" altLang="zh-CN" sz="2800" dirty="0"/>
-          </a:p>
-          <a:p>
-            <a:endParaRPr lang="en-US" altLang="zh-CN" sz="2800" dirty="0"/>
+              <a:rPr lang="zh-CN" altLang="en-US" dirty="0"/>
+              <a:t>攻击与防守：</a:t>
+            </a:r>
+            <a:r>
+              <a:rPr lang="en-US" altLang="zh-CN" dirty="0"/>
+              <a:t>Attack With Defense</a:t>
+            </a:r>
+          </a:p>
+          <a:p>
+            <a:r>
+              <a:rPr lang="zh-CN" altLang="en-US" dirty="0"/>
+              <a:t>每个队伍都有一台服务器，且每个队伍的初始环境相同</a:t>
+            </a:r>
+            <a:endParaRPr lang="en-US" altLang="zh-CN" dirty="0"/>
+          </a:p>
+          <a:p>
+            <a:r>
+              <a:rPr lang="zh-CN" altLang="en-US" dirty="0"/>
+              <a:t>采用回合制，每个回合 </a:t>
+            </a:r>
+            <a:r>
+              <a:rPr lang="en-US" altLang="zh-CN" dirty="0"/>
+              <a:t>flag </a:t>
+            </a:r>
+            <a:r>
+              <a:rPr lang="zh-CN" altLang="en-US" dirty="0"/>
+              <a:t>值不同</a:t>
+            </a:r>
+            <a:endParaRPr lang="en-US" altLang="zh-CN" dirty="0"/>
           </a:p>
           <a:p>
             <a:pPr marL="0" indent="0">
               <a:buNone/>
             </a:pPr>
-            <a:endParaRPr lang="zh-CN" altLang="en-US" sz="2800" dirty="0"/>
+            <a:endParaRPr lang="zh-CN" altLang="en-US" dirty="0"/>
           </a:p>
         </p:txBody>
       </p:sp>
     </p:spTree>
     <p:extLst>
       <p:ext uri="{BB962C8B-B14F-4D97-AF65-F5344CB8AC3E}">
-        <p14:creationId xmlns:p14="http://schemas.microsoft.com/office/powerpoint/2010/main" val="903320627"/>
+        <p14:creationId xmlns:p14="http://schemas.microsoft.com/office/powerpoint/2010/main" val="2113766772"/>
       </p:ext>
     </p:extLst>
   </p:cSld>
@@ -8259,7 +9920,7 @@
           <p:cNvPr id="2" name="标题 1">
             <a:extLst>
               <a:ext uri="{FF2B5EF4-FFF2-40B4-BE49-F238E27FC236}">
-                <a16:creationId xmlns:a16="http://schemas.microsoft.com/office/drawing/2014/main" id="{7BBA395E-7822-4449-83EF-3E0D9B7BCAE1}"/>
+                <a16:creationId xmlns:a16="http://schemas.microsoft.com/office/drawing/2014/main" id="{2F451402-DB29-4250-BFBF-0E72B8C95096}"/>
               </a:ext>
             </a:extLst>
           </p:cNvPr>
@@ -8277,7 +9938,7 @@
           <a:p>
             <a:r>
               <a:rPr lang="zh-CN" altLang="en-US" dirty="0"/>
-              <a:t>防守</a:t>
+              <a:t>怎么得分，怎么被扣分</a:t>
             </a:r>
           </a:p>
         </p:txBody>
@@ -8287,7 +9948,7 @@
           <p:cNvPr id="3" name="内容占位符 2">
             <a:extLst>
               <a:ext uri="{FF2B5EF4-FFF2-40B4-BE49-F238E27FC236}">
-                <a16:creationId xmlns:a16="http://schemas.microsoft.com/office/drawing/2014/main" id="{4A64DD9D-0DD2-44AD-B86C-B5FDD784679B}"/>
+                <a16:creationId xmlns:a16="http://schemas.microsoft.com/office/drawing/2014/main" id="{3530B78D-E2CF-41D1-A824-1B277D3ACEF8}"/>
               </a:ext>
             </a:extLst>
           </p:cNvPr>
@@ -8305,40 +9966,84 @@
           <a:p>
             <a:r>
               <a:rPr lang="zh-CN" altLang="en-US" dirty="0"/>
-              <a:t>改密码</a:t>
+              <a:t>每个比赛主办方不同，赛制亦不同</a:t>
             </a:r>
             <a:endParaRPr lang="en-US" altLang="zh-CN" dirty="0"/>
           </a:p>
           <a:p>
             <a:r>
               <a:rPr lang="zh-CN" altLang="en-US" dirty="0"/>
-              <a:t>备份网站目录</a:t>
+              <a:t>每回合内，攻击对手的服务器</a:t>
             </a:r>
             <a:endParaRPr lang="en-US" altLang="zh-CN" dirty="0"/>
           </a:p>
           <a:p>
             <a:r>
               <a:rPr lang="zh-CN" altLang="en-US" dirty="0"/>
-              <a:t>备份数据库</a:t>
+              <a:t>获取到对手服务器上的 </a:t>
+            </a:r>
+            <a:r>
+              <a:rPr lang="en-US" altLang="zh-CN" dirty="0"/>
+              <a:t>flag </a:t>
+            </a:r>
+            <a:r>
+              <a:rPr lang="zh-CN" altLang="en-US" dirty="0"/>
+              <a:t>则自己得分、对手扣分</a:t>
             </a:r>
             <a:endParaRPr lang="en-US" altLang="zh-CN" dirty="0"/>
           </a:p>
           <a:p>
             <a:r>
               <a:rPr lang="zh-CN" altLang="en-US" dirty="0"/>
-              <a:t>上监控</a:t>
+              <a:t>如果自己服务器上的服务不可用，被监控机制发现则会扣分</a:t>
             </a:r>
             <a:endParaRPr lang="en-US" altLang="zh-CN" dirty="0"/>
           </a:p>
           <a:p>
+            <a:endParaRPr lang="en-US" altLang="zh-CN" dirty="0"/>
+          </a:p>
+          <a:p>
+            <a:endParaRPr lang="en-US" altLang="zh-CN" dirty="0"/>
+          </a:p>
+          <a:p>
             <a:endParaRPr lang="zh-CN" altLang="en-US" dirty="0"/>
           </a:p>
         </p:txBody>
       </p:sp>
+      <p:pic>
+        <p:nvPicPr>
+          <p:cNvPr id="4" name="图片 3">
+            <a:extLst>
+              <a:ext uri="{FF2B5EF4-FFF2-40B4-BE49-F238E27FC236}">
+                <a16:creationId xmlns:a16="http://schemas.microsoft.com/office/drawing/2014/main" id="{B7E0BEC1-E304-420D-9B08-E4C0B1B25A64}"/>
+              </a:ext>
+            </a:extLst>
+          </p:cNvPr>
+          <p:cNvPicPr>
+            <a:picLocks noChangeAspect="1"/>
+          </p:cNvPicPr>
+          <p:nvPr/>
+        </p:nvPicPr>
+        <p:blipFill>
+          <a:blip r:embed="rId3"/>
+          <a:stretch>
+            <a:fillRect/>
+          </a:stretch>
+        </p:blipFill>
+        <p:spPr>
+          <a:xfrm>
+            <a:off x="8556087" y="4752568"/>
+            <a:ext cx="3476190" cy="1523810"/>
+          </a:xfrm>
+          <a:prstGeom prst="rect">
+            <a:avLst/>
+          </a:prstGeom>
+        </p:spPr>
+      </p:pic>
     </p:spTree>
     <p:extLst>
       <p:ext uri="{BB962C8B-B14F-4D97-AF65-F5344CB8AC3E}">
-        <p14:creationId xmlns:p14="http://schemas.microsoft.com/office/powerpoint/2010/main" val="556262335"/>
+        <p14:creationId xmlns:p14="http://schemas.microsoft.com/office/powerpoint/2010/main" val="4270075948"/>
       </p:ext>
     </p:extLst>
   </p:cSld>
@@ -8370,7 +10075,7 @@
           <p:cNvPr id="2" name="标题 1">
             <a:extLst>
               <a:ext uri="{FF2B5EF4-FFF2-40B4-BE49-F238E27FC236}">
-                <a16:creationId xmlns:a16="http://schemas.microsoft.com/office/drawing/2014/main" id="{312E65F1-549E-4502-8C1C-902E02F819DF}"/>
+                <a16:creationId xmlns:a16="http://schemas.microsoft.com/office/drawing/2014/main" id="{60323DA4-006C-412A-BEC9-FC2B2E126267}"/>
               </a:ext>
             </a:extLst>
           </p:cNvPr>
@@ -8387,12 +10092,16 @@
           <a:lstStyle/>
           <a:p>
             <a:r>
+              <a:rPr lang="zh-CN" altLang="en-US" dirty="0"/>
+              <a:t>攻击</a:t>
+            </a:r>
+            <a:r>
               <a:rPr lang="en-US" altLang="zh-CN" dirty="0"/>
-              <a:t>AWD </a:t>
+              <a:t>/</a:t>
             </a:r>
             <a:r>
               <a:rPr lang="zh-CN" altLang="en-US" dirty="0"/>
-              <a:t>友谊赛</a:t>
+              <a:t>防御</a:t>
             </a:r>
           </a:p>
         </p:txBody>
@@ -8402,7 +10111,7 @@
           <p:cNvPr id="3" name="内容占位符 2">
             <a:extLst>
               <a:ext uri="{FF2B5EF4-FFF2-40B4-BE49-F238E27FC236}">
-                <a16:creationId xmlns:a16="http://schemas.microsoft.com/office/drawing/2014/main" id="{583873F7-2A4E-4A77-8801-22973E2C92F3}"/>
+                <a16:creationId xmlns:a16="http://schemas.microsoft.com/office/drawing/2014/main" id="{A527A9E1-AC1F-405D-9439-252F8EEF2602}"/>
               </a:ext>
             </a:extLst>
           </p:cNvPr>
@@ -8415,148 +10124,136 @@
         </p:nvSpPr>
         <p:spPr/>
         <p:txBody>
-          <a:bodyPr/>
+          <a:bodyPr>
+            <a:normAutofit fontScale="92500" lnSpcReduction="10000"/>
+          </a:bodyPr>
           <a:lstStyle/>
           <a:p>
             <a:r>
-              <a:rPr lang="zh-CN" altLang="en-US" dirty="0"/>
-              <a:t>咳咳，欢迎参加第一届</a:t>
-            </a:r>
-            <a:r>
-              <a:rPr lang="en-US" altLang="zh-CN" dirty="0"/>
-              <a:t>(</a:t>
-            </a:r>
-            <a:r>
-              <a:rPr lang="zh-CN" altLang="en-US" dirty="0"/>
-              <a:t>可能没有下一届</a:t>
-            </a:r>
-            <a:r>
-              <a:rPr lang="en-US" altLang="zh-CN" dirty="0"/>
-              <a:t>)</a:t>
-            </a:r>
-            <a:r>
-              <a:rPr lang="zh-CN" altLang="en-US" dirty="0"/>
-              <a:t>的</a:t>
-            </a:r>
-            <a:r>
-              <a:rPr lang="en-US" altLang="zh-CN" dirty="0"/>
-              <a:t>CTF</a:t>
-            </a:r>
-            <a:r>
-              <a:rPr lang="zh-CN" altLang="en-US" dirty="0"/>
-              <a:t>分享会</a:t>
-            </a:r>
-            <a:r>
-              <a:rPr lang="en-US" altLang="zh-CN" dirty="0"/>
-              <a:t>·</a:t>
-            </a:r>
-            <a:r>
-              <a:rPr lang="zh-CN" altLang="en-US" dirty="0"/>
-              <a:t>线下赛</a:t>
-            </a:r>
-            <a:endParaRPr lang="en-US" altLang="zh-CN" dirty="0"/>
-          </a:p>
-          <a:p>
-            <a:endParaRPr lang="en-US" altLang="zh-CN" dirty="0"/>
-          </a:p>
-          <a:p>
-            <a:r>
-              <a:rPr lang="zh-CN" altLang="en-US" dirty="0"/>
-              <a:t>比赛类型：</a:t>
-            </a:r>
-            <a:r>
-              <a:rPr lang="en-US" altLang="zh-CN" dirty="0"/>
-              <a:t>AWD</a:t>
-            </a:r>
-          </a:p>
-          <a:p>
-            <a:r>
-              <a:rPr lang="zh-CN" altLang="en-US" dirty="0"/>
-              <a:t>比赛时间：一个小时（如果没人</a:t>
-            </a:r>
-            <a:r>
-              <a:rPr lang="en-US" altLang="zh-CN" dirty="0"/>
-              <a:t>AK</a:t>
-            </a:r>
-            <a:r>
-              <a:rPr lang="zh-CN" altLang="en-US" dirty="0"/>
-              <a:t>，则延长半个小时）</a:t>
-            </a:r>
-            <a:endParaRPr lang="en-US" altLang="zh-CN" dirty="0"/>
-          </a:p>
-          <a:p>
-            <a:r>
-              <a:rPr lang="zh-CN" altLang="en-US" dirty="0"/>
-              <a:t>比赛奖项：得分最高的队伍 </a:t>
-            </a:r>
-            <a:r>
-              <a:rPr lang="en-US" altLang="zh-CN" dirty="0"/>
-              <a:t>-&gt; </a:t>
-            </a:r>
-            <a:r>
-              <a:rPr lang="zh-CN" altLang="en-US" dirty="0"/>
-              <a:t>小零食</a:t>
-            </a:r>
-            <a:endParaRPr lang="en-US" altLang="zh-CN" dirty="0"/>
-          </a:p>
-          <a:p>
-            <a:r>
-              <a:rPr lang="zh-CN" altLang="en-US" dirty="0"/>
-              <a:t>比赛环境运行于 </a:t>
-            </a:r>
-            <a:r>
-              <a:rPr lang="en-US" altLang="zh-CN" dirty="0" err="1"/>
-              <a:t>DigitalOcean</a:t>
-            </a:r>
-            <a:r>
-              <a:rPr lang="en-US" altLang="zh-CN" dirty="0"/>
-              <a:t> </a:t>
-            </a:r>
-            <a:r>
-              <a:rPr lang="zh-CN" altLang="en-US" dirty="0"/>
-              <a:t>公有云，请勿对非比赛 </a:t>
-            </a:r>
-            <a:r>
-              <a:rPr lang="en-US" altLang="zh-CN" dirty="0" err="1"/>
-              <a:t>ip</a:t>
-            </a:r>
-            <a:r>
-              <a:rPr lang="en-US" altLang="zh-CN" dirty="0"/>
-              <a:t> </a:t>
-            </a:r>
-            <a:r>
-              <a:rPr lang="zh-CN" altLang="en-US" dirty="0"/>
-              <a:t>以及端口进行非法操作</a:t>
-            </a:r>
-            <a:endParaRPr lang="en-US" altLang="zh-CN" dirty="0"/>
+              <a:rPr lang="zh-CN" altLang="en-US" sz="2800" dirty="0"/>
+              <a:t>以渗透为主</a:t>
+            </a:r>
+            <a:endParaRPr lang="en-US" altLang="zh-CN" sz="2800" dirty="0"/>
+          </a:p>
+          <a:p>
+            <a:r>
+              <a:rPr lang="zh-CN" altLang="en-US" sz="2800" dirty="0"/>
+              <a:t>以 </a:t>
+            </a:r>
+            <a:r>
+              <a:rPr lang="en-US" altLang="zh-CN" sz="2800" dirty="0"/>
+              <a:t>PHP </a:t>
+            </a:r>
+            <a:r>
+              <a:rPr lang="zh-CN" altLang="en-US" sz="2800" dirty="0"/>
+              <a:t>和 </a:t>
+            </a:r>
+            <a:r>
+              <a:rPr lang="en-US" altLang="zh-CN" sz="2800" dirty="0"/>
+              <a:t>Python </a:t>
+            </a:r>
+            <a:r>
+              <a:rPr lang="zh-CN" altLang="en-US" sz="2800" dirty="0"/>
+              <a:t>为主</a:t>
+            </a:r>
+            <a:endParaRPr lang="en-US" altLang="zh-CN" sz="2800" dirty="0"/>
+          </a:p>
+          <a:p>
+            <a:r>
+              <a:rPr lang="zh-CN" altLang="en-US" sz="2800" dirty="0"/>
+              <a:t>以 </a:t>
+            </a:r>
+            <a:r>
+              <a:rPr lang="en-US" altLang="zh-CN" sz="2800" dirty="0"/>
+              <a:t>Linux </a:t>
+            </a:r>
+            <a:r>
+              <a:rPr lang="zh-CN" altLang="en-US" sz="2800" dirty="0"/>
+              <a:t>为主</a:t>
+            </a:r>
+            <a:endParaRPr lang="en-US" altLang="zh-CN" sz="2800" dirty="0"/>
+          </a:p>
+          <a:p>
+            <a:r>
+              <a:rPr lang="zh-CN" altLang="en-US" sz="2800" dirty="0"/>
+              <a:t>以 </a:t>
+            </a:r>
+            <a:r>
+              <a:rPr lang="en-US" altLang="zh-CN" sz="2800" dirty="0"/>
+              <a:t>get Shell </a:t>
+            </a:r>
+            <a:r>
+              <a:rPr lang="zh-CN" altLang="en-US" sz="2800" dirty="0"/>
+              <a:t>为主</a:t>
+            </a:r>
+            <a:endParaRPr lang="en-US" altLang="zh-CN" sz="2800" dirty="0"/>
+          </a:p>
+          <a:p>
+            <a:r>
+              <a:rPr lang="en-US" altLang="zh-CN" sz="2800" dirty="0"/>
+              <a:t>SQL </a:t>
+            </a:r>
+            <a:r>
+              <a:rPr lang="zh-CN" altLang="en-US" sz="2800" dirty="0"/>
+              <a:t>注入</a:t>
+            </a:r>
+            <a:endParaRPr lang="en-US" altLang="zh-CN" sz="2800" dirty="0"/>
+          </a:p>
+          <a:p>
+            <a:r>
+              <a:rPr lang="zh-CN" altLang="en-US" sz="2800" dirty="0"/>
+              <a:t>文件包含</a:t>
+            </a:r>
+            <a:endParaRPr lang="en-US" altLang="zh-CN" sz="2800" dirty="0"/>
+          </a:p>
+          <a:p>
+            <a:r>
+              <a:rPr lang="zh-CN" altLang="en-US" sz="2800" dirty="0"/>
+              <a:t>文件上传</a:t>
+            </a:r>
+            <a:endParaRPr lang="en-US" altLang="zh-CN" sz="2800" dirty="0"/>
+          </a:p>
+          <a:p>
+            <a:r>
+              <a:rPr lang="zh-CN" altLang="en-US" sz="2800" dirty="0"/>
+              <a:t>实在不想多说</a:t>
+            </a:r>
+            <a:r>
+              <a:rPr lang="en-US" altLang="zh-CN" sz="2800" dirty="0"/>
+              <a:t>..</a:t>
+            </a:r>
+            <a:r>
+              <a:rPr lang="zh-CN" altLang="en-US" sz="2800" dirty="0"/>
+              <a:t>你们都懂，不懂的去刷 </a:t>
+            </a:r>
+            <a:r>
+              <a:rPr lang="en-US" altLang="zh-CN" sz="2800" dirty="0"/>
+              <a:t>GOCTF </a:t>
+            </a:r>
+            <a:r>
+              <a:rPr lang="zh-CN" altLang="en-US" sz="2800" dirty="0"/>
+              <a:t>吧</a:t>
+            </a:r>
+            <a:endParaRPr lang="en-US" altLang="zh-CN" sz="2800" dirty="0"/>
+          </a:p>
+          <a:p>
+            <a:endParaRPr lang="en-US" altLang="zh-CN" sz="2800" dirty="0"/>
+          </a:p>
+          <a:p>
+            <a:endParaRPr lang="en-US" altLang="zh-CN" sz="2800" dirty="0"/>
           </a:p>
           <a:p>
             <a:pPr marL="0" indent="0">
               <a:buNone/>
             </a:pPr>
-            <a:endParaRPr lang="en-US" altLang="zh-CN" dirty="0"/>
-          </a:p>
-          <a:p>
-            <a:pPr marL="0" indent="0">
-              <a:buNone/>
-            </a:pPr>
-            <a:endParaRPr lang="en-US" altLang="zh-CN" dirty="0"/>
-          </a:p>
-          <a:p>
-            <a:pPr marL="0" indent="0">
-              <a:buNone/>
-            </a:pPr>
-            <a:endParaRPr lang="en-US" altLang="zh-CN" dirty="0"/>
-          </a:p>
-          <a:p>
-            <a:endParaRPr lang="zh-CN" altLang="en-US" dirty="0"/>
+            <a:endParaRPr lang="zh-CN" altLang="en-US" sz="2800" dirty="0"/>
           </a:p>
         </p:txBody>
       </p:sp>
     </p:spTree>
     <p:extLst>
       <p:ext uri="{BB962C8B-B14F-4D97-AF65-F5344CB8AC3E}">
-        <p14:creationId xmlns:p14="http://schemas.microsoft.com/office/powerpoint/2010/main" val="4162673912"/>
+        <p14:creationId xmlns:p14="http://schemas.microsoft.com/office/powerpoint/2010/main" val="903320627"/>
       </p:ext>
     </p:extLst>
   </p:cSld>
@@ -8588,7 +10285,7 @@
           <p:cNvPr id="2" name="标题 1">
             <a:extLst>
               <a:ext uri="{FF2B5EF4-FFF2-40B4-BE49-F238E27FC236}">
-                <a16:creationId xmlns:a16="http://schemas.microsoft.com/office/drawing/2014/main" id="{4EFE1E96-38F2-4158-B558-FD15DE689FB0}"/>
+                <a16:creationId xmlns:a16="http://schemas.microsoft.com/office/drawing/2014/main" id="{8AE85887-A71B-4EF4-AB76-1118A2D79375}"/>
               </a:ext>
             </a:extLst>
           </p:cNvPr>
@@ -8605,14 +10302,13 @@
           <a:lstStyle/>
           <a:p>
             <a:r>
+              <a:rPr lang="en-US" altLang="zh-CN" dirty="0"/>
+              <a:t>SQL</a:t>
+            </a:r>
+            <a:r>
               <a:rPr lang="zh-CN" altLang="en-US" dirty="0"/>
-              <a:t>友谊赛 </a:t>
-            </a:r>
-            <a:r>
-              <a:rPr lang="en-US" altLang="zh-CN" dirty="0"/>
-              <a:t>Writeup</a:t>
-            </a:r>
-            <a:endParaRPr lang="zh-CN" altLang="en-US" dirty="0"/>
+              <a:t>注入</a:t>
+            </a:r>
           </a:p>
         </p:txBody>
       </p:sp>
@@ -8621,7 +10317,7 @@
           <p:cNvPr id="3" name="内容占位符 2">
             <a:extLst>
               <a:ext uri="{FF2B5EF4-FFF2-40B4-BE49-F238E27FC236}">
-                <a16:creationId xmlns:a16="http://schemas.microsoft.com/office/drawing/2014/main" id="{3C0AA5CA-EEF3-4462-A0FA-B2C56EC7EA77}"/>
+                <a16:creationId xmlns:a16="http://schemas.microsoft.com/office/drawing/2014/main" id="{5BAE4D22-F150-4867-BD46-662BE585DFEB}"/>
               </a:ext>
             </a:extLst>
           </p:cNvPr>
@@ -8639,75 +10335,526 @@
           <a:p>
             <a:r>
               <a:rPr lang="zh-CN" altLang="en-US" dirty="0"/>
-              <a:t>进攻部分</a:t>
+              <a:t>漏洞原因：参数可控，</a:t>
+            </a:r>
+            <a:r>
+              <a:rPr lang="en-US" altLang="zh-CN" dirty="0"/>
+              <a:t>SQL</a:t>
+            </a:r>
+            <a:r>
+              <a:rPr lang="zh-CN" altLang="en-US" dirty="0"/>
+              <a:t>语句被修改</a:t>
             </a:r>
             <a:endParaRPr lang="en-US" altLang="zh-CN" dirty="0"/>
           </a:p>
           <a:p>
-            <a:pPr lvl="1"/>
+            <a:r>
+              <a:rPr lang="zh-CN" altLang="en-US" dirty="0"/>
+              <a:t>是门大学问，建议了解注入基础知识之后，多看大神经验分享</a:t>
+            </a:r>
+            <a:endParaRPr lang="en-US" altLang="zh-CN" dirty="0"/>
+          </a:p>
+          <a:p>
+            <a:r>
+              <a:rPr lang="en-US" altLang="zh-CN" dirty="0" err="1"/>
+              <a:t>Sqlmap</a:t>
+            </a:r>
             <a:r>
               <a:rPr lang="en-US" altLang="zh-CN" dirty="0"/>
-              <a:t>SSRF</a:t>
-            </a:r>
-          </a:p>
-          <a:p>
-            <a:pPr lvl="1"/>
+              <a:t> </a:t>
+            </a:r>
             <a:r>
               <a:rPr lang="zh-CN" altLang="en-US" dirty="0"/>
-              <a:t>文件上传校验</a:t>
-            </a:r>
+              <a:t>是个好工具，希望大家都有 </a:t>
+            </a:r>
+            <a:r>
+              <a:rPr lang="en-US" altLang="zh-CN" dirty="0"/>
+              <a:t>(</a:t>
+            </a:r>
+            <a:r>
+              <a:rPr lang="zh-CN" altLang="en-US" dirty="0"/>
+              <a:t>说明文档</a:t>
+            </a:r>
+            <a:r>
+              <a:rPr lang="en-US" altLang="zh-CN" dirty="0"/>
+              <a:t>)</a:t>
+            </a:r>
+          </a:p>
+          <a:p>
             <a:endParaRPr lang="en-US" altLang="zh-CN" dirty="0"/>
           </a:p>
           <a:p>
-            <a:endParaRPr lang="en-US" altLang="zh-CN"/>
-          </a:p>
-          <a:p>
-            <a:r>
-              <a:rPr lang="zh-CN" altLang="en-US"/>
-              <a:t>防守</a:t>
-            </a:r>
             <a:r>
               <a:rPr lang="zh-CN" altLang="en-US" dirty="0"/>
-              <a:t>部分</a:t>
+              <a:t>防御方法：</a:t>
+            </a:r>
+            <a:r>
+              <a:rPr lang="en-US" altLang="zh-CN" dirty="0"/>
+              <a:t>SQL</a:t>
+            </a:r>
+            <a:r>
+              <a:rPr lang="zh-CN" altLang="en-US" dirty="0"/>
+              <a:t>预处理，特殊符号转义</a:t>
             </a:r>
             <a:endParaRPr lang="en-US" altLang="zh-CN" dirty="0"/>
           </a:p>
           <a:p>
-            <a:pPr lvl="1"/>
-            <a:r>
-              <a:rPr lang="en-US" altLang="zh-CN" dirty="0"/>
-              <a:t>Alpine Linux</a:t>
-            </a:r>
-          </a:p>
-          <a:p>
-            <a:pPr lvl="1"/>
-            <a:r>
-              <a:rPr lang="en-US" altLang="zh-CN" dirty="0"/>
-              <a:t>PHP + SQLite </a:t>
-            </a:r>
-            <a:r>
-              <a:rPr lang="zh-CN" altLang="en-US" dirty="0"/>
-              <a:t>环境</a:t>
-            </a:r>
             <a:endParaRPr lang="en-US" altLang="zh-CN" dirty="0"/>
           </a:p>
           <a:p>
-            <a:pPr lvl="1"/>
-            <a:r>
-              <a:rPr lang="en-US" altLang="zh-CN" dirty="0"/>
-              <a:t>Laravel </a:t>
-            </a:r>
-            <a:r>
-              <a:rPr lang="zh-CN" altLang="en-US" dirty="0"/>
-              <a:t>框架业务部分源码审计</a:t>
-            </a:r>
+            <a:endParaRPr lang="en-US" altLang="zh-CN" dirty="0"/>
           </a:p>
         </p:txBody>
       </p:sp>
     </p:spTree>
     <p:extLst>
       <p:ext uri="{BB962C8B-B14F-4D97-AF65-F5344CB8AC3E}">
-        <p14:creationId xmlns:p14="http://schemas.microsoft.com/office/powerpoint/2010/main" val="3934795313"/>
+        <p14:creationId xmlns:p14="http://schemas.microsoft.com/office/powerpoint/2010/main" val="941507331"/>
+      </p:ext>
+    </p:extLst>
+  </p:cSld>
+  <p:clrMapOvr>
+    <a:masterClrMapping/>
+  </p:clrMapOvr>
+</p:sld>
+</file>
+
+<file path=ppt/slides/slide7.xml><?xml version="1.0" encoding="utf-8"?>
+<p:sld xmlns:a="http://schemas.openxmlformats.org/drawingml/2006/main" xmlns:r="http://schemas.openxmlformats.org/officeDocument/2006/relationships" xmlns:p="http://schemas.openxmlformats.org/presentationml/2006/main">
+  <p:cSld>
+    <p:spTree>
+      <p:nvGrpSpPr>
+        <p:cNvPr id="1" name=""/>
+        <p:cNvGrpSpPr/>
+        <p:nvPr/>
+      </p:nvGrpSpPr>
+      <p:grpSpPr>
+        <a:xfrm>
+          <a:off x="0" y="0"/>
+          <a:ext cx="0" cy="0"/>
+          <a:chOff x="0" y="0"/>
+          <a:chExt cx="0" cy="0"/>
+        </a:xfrm>
+      </p:grpSpPr>
+      <p:sp>
+        <p:nvSpPr>
+          <p:cNvPr id="2" name="标题 1">
+            <a:extLst>
+              <a:ext uri="{FF2B5EF4-FFF2-40B4-BE49-F238E27FC236}">
+                <a16:creationId xmlns:a16="http://schemas.microsoft.com/office/drawing/2014/main" id="{BEFE206E-2428-47C9-B4D0-E08EB4C01E9D}"/>
+              </a:ext>
+            </a:extLst>
+          </p:cNvPr>
+          <p:cNvSpPr>
+            <a:spLocks noGrp="1"/>
+          </p:cNvSpPr>
+          <p:nvPr>
+            <p:ph type="title"/>
+          </p:nvPr>
+        </p:nvSpPr>
+        <p:spPr/>
+        <p:txBody>
+          <a:bodyPr/>
+          <a:lstStyle/>
+          <a:p>
+            <a:r>
+              <a:rPr lang="zh-CN" altLang="en-US" dirty="0"/>
+              <a:t>命令注入</a:t>
+            </a:r>
+          </a:p>
+        </p:txBody>
+      </p:sp>
+      <p:sp>
+        <p:nvSpPr>
+          <p:cNvPr id="3" name="内容占位符 2">
+            <a:extLst>
+              <a:ext uri="{FF2B5EF4-FFF2-40B4-BE49-F238E27FC236}">
+                <a16:creationId xmlns:a16="http://schemas.microsoft.com/office/drawing/2014/main" id="{192579FA-9F84-47A6-B34B-9CC6B6BE37F6}"/>
+              </a:ext>
+            </a:extLst>
+          </p:cNvPr>
+          <p:cNvSpPr>
+            <a:spLocks noGrp="1"/>
+          </p:cNvSpPr>
+          <p:nvPr>
+            <p:ph idx="1"/>
+          </p:nvPr>
+        </p:nvSpPr>
+        <p:spPr/>
+        <p:txBody>
+          <a:bodyPr/>
+          <a:lstStyle/>
+          <a:p>
+            <a:r>
+              <a:rPr lang="zh-CN" altLang="en-US" dirty="0"/>
+              <a:t>漏洞原因：运行 </a:t>
+            </a:r>
+            <a:r>
+              <a:rPr lang="en-US" altLang="zh-CN" dirty="0" err="1"/>
+              <a:t>cmd</a:t>
+            </a:r>
+            <a:r>
+              <a:rPr lang="en-US" altLang="zh-CN" dirty="0"/>
+              <a:t>/shell </a:t>
+            </a:r>
+            <a:r>
+              <a:rPr lang="zh-CN" altLang="en-US" dirty="0"/>
+              <a:t>命令的函数或运行语言代码的函数例如（</a:t>
+            </a:r>
+            <a:r>
+              <a:rPr lang="en-US" altLang="zh-CN" dirty="0"/>
+              <a:t>PHP</a:t>
+            </a:r>
+            <a:r>
+              <a:rPr lang="zh-CN" altLang="en-US" dirty="0"/>
+              <a:t>：</a:t>
+            </a:r>
+            <a:r>
+              <a:rPr lang="en-US" altLang="zh-CN" dirty="0"/>
+              <a:t>eval</a:t>
+            </a:r>
+            <a:r>
+              <a:rPr lang="zh-CN" altLang="en-US" dirty="0"/>
+              <a:t>、</a:t>
+            </a:r>
+            <a:r>
+              <a:rPr lang="en-US" altLang="zh-CN" dirty="0"/>
+              <a:t>assert</a:t>
+            </a:r>
+            <a:r>
+              <a:rPr lang="zh-CN" altLang="en-US" dirty="0"/>
+              <a:t>，</a:t>
+            </a:r>
+            <a:r>
+              <a:rPr lang="en-US" altLang="zh-CN" dirty="0"/>
+              <a:t>Python</a:t>
+            </a:r>
+            <a:r>
+              <a:rPr lang="zh-CN" altLang="en-US" dirty="0"/>
+              <a:t>：</a:t>
+            </a:r>
+            <a:r>
+              <a:rPr lang="en-US" altLang="zh-CN" dirty="0"/>
+              <a:t>eval</a:t>
+            </a:r>
+            <a:r>
+              <a:rPr lang="zh-CN" altLang="en-US" dirty="0"/>
+              <a:t>、</a:t>
+            </a:r>
+            <a:r>
+              <a:rPr lang="en-US" altLang="zh-CN" dirty="0"/>
+              <a:t>Java</a:t>
+            </a:r>
+            <a:r>
+              <a:rPr lang="zh-CN" altLang="en-US" dirty="0"/>
+              <a:t>：反序列化）参数可控</a:t>
+            </a:r>
+            <a:endParaRPr lang="en-US" altLang="zh-CN" dirty="0"/>
+          </a:p>
+          <a:p>
+            <a:r>
+              <a:rPr lang="zh-CN" altLang="en-US" dirty="0"/>
+              <a:t>防御方法：根据实际情况确定，一般可试试过滤一下特殊字符，甚至给</a:t>
+            </a:r>
+            <a:r>
+              <a:rPr lang="en-US" altLang="zh-CN" dirty="0"/>
+              <a:t>Java</a:t>
+            </a:r>
+            <a:r>
+              <a:rPr lang="zh-CN" altLang="en-US" dirty="0"/>
+              <a:t>打个补丁</a:t>
+            </a:r>
+            <a:endParaRPr lang="en-US" altLang="zh-CN" dirty="0"/>
+          </a:p>
+          <a:p>
+            <a:pPr marL="0" indent="0">
+              <a:buNone/>
+            </a:pPr>
+            <a:endParaRPr lang="en-US" altLang="zh-CN" dirty="0"/>
+          </a:p>
+          <a:p>
+            <a:pPr marL="0" indent="0">
+              <a:buNone/>
+            </a:pPr>
+            <a:r>
+              <a:rPr lang="en-US" altLang="zh-CN" dirty="0"/>
+              <a:t>&lt;?php</a:t>
+            </a:r>
+          </a:p>
+          <a:p>
+            <a:pPr marL="0" indent="0">
+              <a:buNone/>
+            </a:pPr>
+            <a:r>
+              <a:rPr lang="en-US" altLang="zh-CN" dirty="0"/>
+              <a:t>eval($_GET[‘</a:t>
+            </a:r>
+            <a:r>
+              <a:rPr lang="en-US" altLang="zh-CN" dirty="0" err="1"/>
+              <a:t>cmd</a:t>
+            </a:r>
+            <a:r>
+              <a:rPr lang="en-US" altLang="zh-CN" dirty="0"/>
+              <a:t>’]);</a:t>
+            </a:r>
+          </a:p>
+          <a:p>
+            <a:pPr marL="0" indent="0">
+              <a:buNone/>
+            </a:pPr>
+            <a:endParaRPr lang="en-US" altLang="zh-CN" dirty="0"/>
+          </a:p>
+          <a:p>
+            <a:pPr marL="0" indent="0">
+              <a:buNone/>
+            </a:pPr>
+            <a:endParaRPr lang="en-US" altLang="zh-CN" dirty="0"/>
+          </a:p>
+          <a:p>
+            <a:pPr marL="0" indent="0">
+              <a:buNone/>
+            </a:pPr>
+            <a:endParaRPr lang="zh-CN" altLang="en-US" dirty="0"/>
+          </a:p>
+        </p:txBody>
+      </p:sp>
+    </p:spTree>
+    <p:extLst>
+      <p:ext uri="{BB962C8B-B14F-4D97-AF65-F5344CB8AC3E}">
+        <p14:creationId xmlns:p14="http://schemas.microsoft.com/office/powerpoint/2010/main" val="3185272340"/>
+      </p:ext>
+    </p:extLst>
+  </p:cSld>
+  <p:clrMapOvr>
+    <a:masterClrMapping/>
+  </p:clrMapOvr>
+</p:sld>
+</file>
+
+<file path=ppt/slides/slide8.xml><?xml version="1.0" encoding="utf-8"?>
+<p:sld xmlns:a="http://schemas.openxmlformats.org/drawingml/2006/main" xmlns:r="http://schemas.openxmlformats.org/officeDocument/2006/relationships" xmlns:p="http://schemas.openxmlformats.org/presentationml/2006/main">
+  <p:cSld>
+    <p:spTree>
+      <p:nvGrpSpPr>
+        <p:cNvPr id="1" name=""/>
+        <p:cNvGrpSpPr/>
+        <p:nvPr/>
+      </p:nvGrpSpPr>
+      <p:grpSpPr>
+        <a:xfrm>
+          <a:off x="0" y="0"/>
+          <a:ext cx="0" cy="0"/>
+          <a:chOff x="0" y="0"/>
+          <a:chExt cx="0" cy="0"/>
+        </a:xfrm>
+      </p:grpSpPr>
+      <p:sp>
+        <p:nvSpPr>
+          <p:cNvPr id="2" name="标题 1">
+            <a:extLst>
+              <a:ext uri="{FF2B5EF4-FFF2-40B4-BE49-F238E27FC236}">
+                <a16:creationId xmlns:a16="http://schemas.microsoft.com/office/drawing/2014/main" id="{F7A686AA-659E-4650-90AF-1ADA8155D57A}"/>
+              </a:ext>
+            </a:extLst>
+          </p:cNvPr>
+          <p:cNvSpPr>
+            <a:spLocks noGrp="1"/>
+          </p:cNvSpPr>
+          <p:nvPr>
+            <p:ph type="title"/>
+          </p:nvPr>
+        </p:nvSpPr>
+        <p:spPr/>
+        <p:txBody>
+          <a:bodyPr/>
+          <a:lstStyle/>
+          <a:p>
+            <a:r>
+              <a:rPr lang="zh-CN" altLang="en-US" dirty="0"/>
+              <a:t>文件上传</a:t>
+            </a:r>
+          </a:p>
+        </p:txBody>
+      </p:sp>
+      <p:sp>
+        <p:nvSpPr>
+          <p:cNvPr id="3" name="内容占位符 2">
+            <a:extLst>
+              <a:ext uri="{FF2B5EF4-FFF2-40B4-BE49-F238E27FC236}">
+                <a16:creationId xmlns:a16="http://schemas.microsoft.com/office/drawing/2014/main" id="{02C3FBA7-2704-4CF2-836B-46889839F498}"/>
+              </a:ext>
+            </a:extLst>
+          </p:cNvPr>
+          <p:cNvSpPr>
+            <a:spLocks noGrp="1"/>
+          </p:cNvSpPr>
+          <p:nvPr>
+            <p:ph idx="1"/>
+          </p:nvPr>
+        </p:nvSpPr>
+        <p:spPr/>
+        <p:txBody>
+          <a:bodyPr/>
+          <a:lstStyle/>
+          <a:p>
+            <a:r>
+              <a:rPr lang="zh-CN" altLang="en-US" dirty="0"/>
+              <a:t>漏洞原因：仅仅在前端</a:t>
+            </a:r>
+            <a:r>
+              <a:rPr lang="en-US" altLang="zh-CN" dirty="0"/>
+              <a:t>/</a:t>
+            </a:r>
+            <a:r>
+              <a:rPr lang="zh-CN" altLang="en-US" dirty="0"/>
+              <a:t>浏览器做上传的校验</a:t>
+            </a:r>
+            <a:endParaRPr lang="en-US" altLang="zh-CN" dirty="0"/>
+          </a:p>
+          <a:p>
+            <a:r>
+              <a:rPr lang="en-US" altLang="zh-CN" dirty="0" err="1"/>
+              <a:t>BurpSuit</a:t>
+            </a:r>
+            <a:r>
+              <a:rPr lang="zh-CN" altLang="en-US" dirty="0"/>
+              <a:t> 修改 </a:t>
+            </a:r>
+            <a:r>
+              <a:rPr lang="en-US" altLang="zh-CN" dirty="0"/>
+              <a:t>HTTP </a:t>
+            </a:r>
+            <a:r>
+              <a:rPr lang="zh-CN" altLang="en-US" dirty="0"/>
+              <a:t>请求通常可以绕过</a:t>
+            </a:r>
+            <a:endParaRPr lang="en-US" altLang="zh-CN" dirty="0"/>
+          </a:p>
+          <a:p>
+            <a:endParaRPr lang="en-US" altLang="zh-CN" dirty="0"/>
+          </a:p>
+          <a:p>
+            <a:r>
+              <a:rPr lang="zh-CN" altLang="en-US" dirty="0"/>
+              <a:t>防御方法：后端白名单</a:t>
+            </a:r>
+            <a:endParaRPr lang="en-US" altLang="zh-CN" dirty="0"/>
+          </a:p>
+        </p:txBody>
+      </p:sp>
+    </p:spTree>
+    <p:extLst>
+      <p:ext uri="{BB962C8B-B14F-4D97-AF65-F5344CB8AC3E}">
+        <p14:creationId xmlns:p14="http://schemas.microsoft.com/office/powerpoint/2010/main" val="2117169343"/>
+      </p:ext>
+    </p:extLst>
+  </p:cSld>
+  <p:clrMapOvr>
+    <a:masterClrMapping/>
+  </p:clrMapOvr>
+</p:sld>
+</file>
+
+<file path=ppt/slides/slide9.xml><?xml version="1.0" encoding="utf-8"?>
+<p:sld xmlns:a="http://schemas.openxmlformats.org/drawingml/2006/main" xmlns:r="http://schemas.openxmlformats.org/officeDocument/2006/relationships" xmlns:p="http://schemas.openxmlformats.org/presentationml/2006/main">
+  <p:cSld>
+    <p:spTree>
+      <p:nvGrpSpPr>
+        <p:cNvPr id="1" name=""/>
+        <p:cNvGrpSpPr/>
+        <p:nvPr/>
+      </p:nvGrpSpPr>
+      <p:grpSpPr>
+        <a:xfrm>
+          <a:off x="0" y="0"/>
+          <a:ext cx="0" cy="0"/>
+          <a:chOff x="0" y="0"/>
+          <a:chExt cx="0" cy="0"/>
+        </a:xfrm>
+      </p:grpSpPr>
+      <p:sp>
+        <p:nvSpPr>
+          <p:cNvPr id="2" name="标题 1">
+            <a:extLst>
+              <a:ext uri="{FF2B5EF4-FFF2-40B4-BE49-F238E27FC236}">
+                <a16:creationId xmlns:a16="http://schemas.microsoft.com/office/drawing/2014/main" id="{E192DF68-9D3A-4449-AFF5-65F58167FD26}"/>
+              </a:ext>
+            </a:extLst>
+          </p:cNvPr>
+          <p:cNvSpPr>
+            <a:spLocks noGrp="1"/>
+          </p:cNvSpPr>
+          <p:nvPr>
+            <p:ph type="title"/>
+          </p:nvPr>
+        </p:nvSpPr>
+        <p:spPr/>
+        <p:txBody>
+          <a:bodyPr/>
+          <a:lstStyle/>
+          <a:p>
+            <a:r>
+              <a:rPr lang="zh-CN" altLang="en-US" dirty="0"/>
+              <a:t>文件包含</a:t>
+            </a:r>
+            <a:r>
+              <a:rPr lang="en-US" altLang="zh-CN" dirty="0"/>
+              <a:t>/</a:t>
+            </a:r>
+            <a:r>
+              <a:rPr lang="zh-CN" altLang="en-US" dirty="0"/>
+              <a:t>文件读取</a:t>
+            </a:r>
+            <a:r>
+              <a:rPr lang="en-US" altLang="zh-CN" dirty="0"/>
+              <a:t>/</a:t>
+            </a:r>
+            <a:r>
+              <a:rPr lang="zh-CN" altLang="en-US" dirty="0"/>
+              <a:t>文件下载</a:t>
+            </a:r>
+          </a:p>
+        </p:txBody>
+      </p:sp>
+      <p:sp>
+        <p:nvSpPr>
+          <p:cNvPr id="3" name="内容占位符 2">
+            <a:extLst>
+              <a:ext uri="{FF2B5EF4-FFF2-40B4-BE49-F238E27FC236}">
+                <a16:creationId xmlns:a16="http://schemas.microsoft.com/office/drawing/2014/main" id="{8319710B-58B4-4439-BD3A-053B4E38710A}"/>
+              </a:ext>
+            </a:extLst>
+          </p:cNvPr>
+          <p:cNvSpPr>
+            <a:spLocks noGrp="1"/>
+          </p:cNvSpPr>
+          <p:nvPr>
+            <p:ph idx="1"/>
+          </p:nvPr>
+        </p:nvSpPr>
+        <p:spPr/>
+        <p:txBody>
+          <a:bodyPr/>
+          <a:lstStyle/>
+          <a:p>
+            <a:r>
+              <a:rPr lang="zh-CN" altLang="en-US" dirty="0"/>
+              <a:t>还是因为程序猿太菜，导致参数可控</a:t>
+            </a:r>
+            <a:endParaRPr lang="en-US" altLang="zh-CN" dirty="0"/>
+          </a:p>
+          <a:p>
+            <a:r>
+              <a:rPr lang="zh-CN" altLang="en-US" dirty="0"/>
+              <a:t>做多几次过滤即可</a:t>
+            </a:r>
+          </a:p>
+        </p:txBody>
+      </p:sp>
+    </p:spTree>
+    <p:extLst>
+      <p:ext uri="{BB962C8B-B14F-4D97-AF65-F5344CB8AC3E}">
+        <p14:creationId xmlns:p14="http://schemas.microsoft.com/office/powerpoint/2010/main" val="2663041759"/>
       </p:ext>
     </p:extLst>
   </p:cSld>
@@ -8969,4 +11116,299 @@
     </a:ext>
   </a:extLst>
 </a:theme>
+</file>
+
+<file path=ppt/theme/theme2.xml><?xml version="1.0" encoding="utf-8"?>
+<a:theme xmlns:a="http://schemas.openxmlformats.org/drawingml/2006/main" name="Office 主题​​">
+  <a:themeElements>
+    <a:clrScheme name="Office">
+      <a:dk1>
+        <a:sysClr val="windowText" lastClr="000000"/>
+      </a:dk1>
+      <a:lt1>
+        <a:sysClr val="window" lastClr="FFFFFF"/>
+      </a:lt1>
+      <a:dk2>
+        <a:srgbClr val="44546A"/>
+      </a:dk2>
+      <a:lt2>
+        <a:srgbClr val="E7E6E6"/>
+      </a:lt2>
+      <a:accent1>
+        <a:srgbClr val="4472C4"/>
+      </a:accent1>
+      <a:accent2>
+        <a:srgbClr val="ED7D31"/>
+      </a:accent2>
+      <a:accent3>
+        <a:srgbClr val="A5A5A5"/>
+      </a:accent3>
+      <a:accent4>
+        <a:srgbClr val="FFC000"/>
+      </a:accent4>
+      <a:accent5>
+        <a:srgbClr val="5B9BD5"/>
+      </a:accent5>
+      <a:accent6>
+        <a:srgbClr val="70AD47"/>
+      </a:accent6>
+      <a:hlink>
+        <a:srgbClr val="0563C1"/>
+      </a:hlink>
+      <a:folHlink>
+        <a:srgbClr val="954F72"/>
+      </a:folHlink>
+    </a:clrScheme>
+    <a:fontScheme name="Office">
+      <a:majorFont>
+        <a:latin typeface="等线 Light" panose="020F0302020204030204"/>
+        <a:ea typeface=""/>
+        <a:cs typeface=""/>
+        <a:font script="Jpan" typeface="游ゴシック Light"/>
+        <a:font script="Hang" typeface="맑은 고딕"/>
+        <a:font script="Hans" typeface="等线 Light"/>
+        <a:font script="Hant" typeface="新細明體"/>
+        <a:font script="Arab" typeface="Times New Roman"/>
+        <a:font script="Hebr" typeface="Times New Roman"/>
+        <a:font script="Thai" typeface="Angsana New"/>
+        <a:font script="Ethi" typeface="Nyala"/>
+        <a:font script="Beng" typeface="Vrinda"/>
+        <a:font script="Gujr" typeface="Shruti"/>
+        <a:font script="Khmr" typeface="MoolBoran"/>
+        <a:font script="Knda" typeface="Tunga"/>
+        <a:font script="Guru" typeface="Raavi"/>
+        <a:font script="Cans" typeface="Euphemia"/>
+        <a:font script="Cher" typeface="Plantagenet Cherokee"/>
+        <a:font script="Yiii" typeface="Microsoft Yi Baiti"/>
+        <a:font script="Tibt" typeface="Microsoft Himalaya"/>
+        <a:font script="Thaa" typeface="MV Boli"/>
+        <a:font script="Deva" typeface="Mangal"/>
+        <a:font script="Telu" typeface="Gautami"/>
+        <a:font script="Taml" typeface="Latha"/>
+        <a:font script="Syrc" typeface="Estrangelo Edessa"/>
+        <a:font script="Orya" typeface="Kalinga"/>
+        <a:font script="Mlym" typeface="Kartika"/>
+        <a:font script="Laoo" typeface="DokChampa"/>
+        <a:font script="Sinh" typeface="Iskoola Pota"/>
+        <a:font script="Mong" typeface="Mongolian Baiti"/>
+        <a:font script="Viet" typeface="Times New Roman"/>
+        <a:font script="Uigh" typeface="Microsoft Uighur"/>
+        <a:font script="Geor" typeface="Sylfaen"/>
+        <a:font script="Armn" typeface="Arial"/>
+        <a:font script="Bugi" typeface="Leelawadee UI"/>
+        <a:font script="Bopo" typeface="Microsoft JhengHei"/>
+        <a:font script="Java" typeface="Javanese Text"/>
+        <a:font script="Lisu" typeface="Segoe UI"/>
+        <a:font script="Mymr" typeface="Myanmar Text"/>
+        <a:font script="Nkoo" typeface="Ebrima"/>
+        <a:font script="Olck" typeface="Nirmala UI"/>
+        <a:font script="Osma" typeface="Ebrima"/>
+        <a:font script="Phag" typeface="Phagspa"/>
+        <a:font script="Syrn" typeface="Estrangelo Edessa"/>
+        <a:font script="Syrj" typeface="Estrangelo Edessa"/>
+        <a:font script="Syre" typeface="Estrangelo Edessa"/>
+        <a:font script="Sora" typeface="Nirmala UI"/>
+        <a:font script="Tale" typeface="Microsoft Tai Le"/>
+        <a:font script="Talu" typeface="Microsoft New Tai Lue"/>
+        <a:font script="Tfng" typeface="Ebrima"/>
+      </a:majorFont>
+      <a:minorFont>
+        <a:latin typeface="等线" panose="020F0502020204030204"/>
+        <a:ea typeface=""/>
+        <a:cs typeface=""/>
+        <a:font script="Jpan" typeface="游ゴシック"/>
+        <a:font script="Hang" typeface="맑은 고딕"/>
+        <a:font script="Hans" typeface="等线"/>
+        <a:font script="Hant" typeface="新細明體"/>
+        <a:font script="Arab" typeface="Arial"/>
+        <a:font script="Hebr" typeface="Arial"/>
+        <a:font script="Thai" typeface="Cordia New"/>
+        <a:font script="Ethi" typeface="Nyala"/>
+        <a:font script="Beng" typeface="Vrinda"/>
+        <a:font script="Gujr" typeface="Shruti"/>
+        <a:font script="Khmr" typeface="DaunPenh"/>
+        <a:font script="Knda" typeface="Tunga"/>
+        <a:font script="Guru" typeface="Raavi"/>
+        <a:font script="Cans" typeface="Euphemia"/>
+        <a:font script="Cher" typeface="Plantagenet Cherokee"/>
+        <a:font script="Yiii" typeface="Microsoft Yi Baiti"/>
+        <a:font script="Tibt" typeface="Microsoft Himalaya"/>
+        <a:font script="Thaa" typeface="MV Boli"/>
+        <a:font script="Deva" typeface="Mangal"/>
+        <a:font script="Telu" typeface="Gautami"/>
+        <a:font script="Taml" typeface="Latha"/>
+        <a:font script="Syrc" typeface="Estrangelo Edessa"/>
+        <a:font script="Orya" typeface="Kalinga"/>
+        <a:font script="Mlym" typeface="Kartika"/>
+        <a:font script="Laoo" typeface="DokChampa"/>
+        <a:font script="Sinh" typeface="Iskoola Pota"/>
+        <a:font script="Mong" typeface="Mongolian Baiti"/>
+        <a:font script="Viet" typeface="Arial"/>
+        <a:font script="Uigh" typeface="Microsoft Uighur"/>
+        <a:font script="Geor" typeface="Sylfaen"/>
+        <a:font script="Armn" typeface="Arial"/>
+        <a:font script="Bugi" typeface="Leelawadee UI"/>
+        <a:font script="Bopo" typeface="Microsoft JhengHei"/>
+        <a:font script="Java" typeface="Javanese Text"/>
+        <a:font script="Lisu" typeface="Segoe UI"/>
+        <a:font script="Mymr" typeface="Myanmar Text"/>
+        <a:font script="Nkoo" typeface="Ebrima"/>
+        <a:font script="Olck" typeface="Nirmala UI"/>
+        <a:font script="Osma" typeface="Ebrima"/>
+        <a:font script="Phag" typeface="Phagspa"/>
+        <a:font script="Syrn" typeface="Estrangelo Edessa"/>
+        <a:font script="Syrj" typeface="Estrangelo Edessa"/>
+        <a:font script="Syre" typeface="Estrangelo Edessa"/>
+        <a:font script="Sora" typeface="Nirmala UI"/>
+        <a:font script="Tale" typeface="Microsoft Tai Le"/>
+        <a:font script="Talu" typeface="Microsoft New Tai Lue"/>
+        <a:font script="Tfng" typeface="Ebrima"/>
+      </a:minorFont>
+    </a:fontScheme>
+    <a:fmtScheme name="Office">
+      <a:fillStyleLst>
+        <a:solidFill>
+          <a:schemeClr val="phClr"/>
+        </a:solidFill>
+        <a:gradFill rotWithShape="1">
+          <a:gsLst>
+            <a:gs pos="0">
+              <a:schemeClr val="phClr">
+                <a:lumMod val="110000"/>
+                <a:satMod val="105000"/>
+                <a:tint val="67000"/>
+              </a:schemeClr>
+            </a:gs>
+            <a:gs pos="50000">
+              <a:schemeClr val="phClr">
+                <a:lumMod val="105000"/>
+                <a:satMod val="103000"/>
+                <a:tint val="73000"/>
+              </a:schemeClr>
+            </a:gs>
+            <a:gs pos="100000">
+              <a:schemeClr val="phClr">
+                <a:lumMod val="105000"/>
+                <a:satMod val="109000"/>
+                <a:tint val="81000"/>
+              </a:schemeClr>
+            </a:gs>
+          </a:gsLst>
+          <a:lin ang="5400000" scaled="0"/>
+        </a:gradFill>
+        <a:gradFill rotWithShape="1">
+          <a:gsLst>
+            <a:gs pos="0">
+              <a:schemeClr val="phClr">
+                <a:satMod val="103000"/>
+                <a:lumMod val="102000"/>
+                <a:tint val="94000"/>
+              </a:schemeClr>
+            </a:gs>
+            <a:gs pos="50000">
+              <a:schemeClr val="phClr">
+                <a:satMod val="110000"/>
+                <a:lumMod val="100000"/>
+                <a:shade val="100000"/>
+              </a:schemeClr>
+            </a:gs>
+            <a:gs pos="100000">
+              <a:schemeClr val="phClr">
+                <a:lumMod val="99000"/>
+                <a:satMod val="120000"/>
+                <a:shade val="78000"/>
+              </a:schemeClr>
+            </a:gs>
+          </a:gsLst>
+          <a:lin ang="5400000" scaled="0"/>
+        </a:gradFill>
+      </a:fillStyleLst>
+      <a:lnStyleLst>
+        <a:ln w="6350" cap="flat" cmpd="sng" algn="ctr">
+          <a:solidFill>
+            <a:schemeClr val="phClr"/>
+          </a:solidFill>
+          <a:prstDash val="solid"/>
+          <a:miter lim="800000"/>
+        </a:ln>
+        <a:ln w="12700" cap="flat" cmpd="sng" algn="ctr">
+          <a:solidFill>
+            <a:schemeClr val="phClr"/>
+          </a:solidFill>
+          <a:prstDash val="solid"/>
+          <a:miter lim="800000"/>
+        </a:ln>
+        <a:ln w="19050" cap="flat" cmpd="sng" algn="ctr">
+          <a:solidFill>
+            <a:schemeClr val="phClr"/>
+          </a:solidFill>
+          <a:prstDash val="solid"/>
+          <a:miter lim="800000"/>
+        </a:ln>
+      </a:lnStyleLst>
+      <a:effectStyleLst>
+        <a:effectStyle>
+          <a:effectLst/>
+        </a:effectStyle>
+        <a:effectStyle>
+          <a:effectLst/>
+        </a:effectStyle>
+        <a:effectStyle>
+          <a:effectLst>
+            <a:outerShdw blurRad="57150" dist="19050" dir="5400000" algn="ctr" rotWithShape="0">
+              <a:srgbClr val="000000">
+                <a:alpha val="63000"/>
+              </a:srgbClr>
+            </a:outerShdw>
+          </a:effectLst>
+        </a:effectStyle>
+      </a:effectStyleLst>
+      <a:bgFillStyleLst>
+        <a:solidFill>
+          <a:schemeClr val="phClr"/>
+        </a:solidFill>
+        <a:solidFill>
+          <a:schemeClr val="phClr">
+            <a:tint val="95000"/>
+            <a:satMod val="170000"/>
+          </a:schemeClr>
+        </a:solidFill>
+        <a:gradFill rotWithShape="1">
+          <a:gsLst>
+            <a:gs pos="0">
+              <a:schemeClr val="phClr">
+                <a:tint val="93000"/>
+                <a:satMod val="150000"/>
+                <a:shade val="98000"/>
+                <a:lumMod val="102000"/>
+              </a:schemeClr>
+            </a:gs>
+            <a:gs pos="50000">
+              <a:schemeClr val="phClr">
+                <a:tint val="98000"/>
+                <a:satMod val="130000"/>
+                <a:shade val="90000"/>
+                <a:lumMod val="103000"/>
+              </a:schemeClr>
+            </a:gs>
+            <a:gs pos="100000">
+              <a:schemeClr val="phClr">
+                <a:shade val="63000"/>
+                <a:satMod val="120000"/>
+              </a:schemeClr>
+            </a:gs>
+          </a:gsLst>
+          <a:lin ang="5400000" scaled="0"/>
+        </a:gradFill>
+      </a:bgFillStyleLst>
+    </a:fmtScheme>
+  </a:themeElements>
+  <a:objectDefaults/>
+  <a:extraClrSchemeLst/>
+  <a:extLst>
+    <a:ext uri="{05A4C25C-085E-4340-85A3-A5531E510DB2}">
+      <thm15:themeFamily xmlns:thm15="http://schemas.microsoft.com/office/thememl/2012/main" name="Office Theme" id="{62F939B6-93AF-4DB8-9C6B-D6C7DFDC589F}" vid="{4A3C46E8-61CC-4603-A589-7422A47A8E4A}"/>
+    </a:ext>
+  </a:extLst>
+</a:theme>
 </file>